--- a/AttendanceTracker/Html form ve veri aktarımı.pptx
+++ b/AttendanceTracker/Html form ve veri aktarımı.pptx
@@ -5,7 +5,7 @@
     <p:sldMasterId id="2147483648" r:id="rId1"/>
   </p:sldMasterIdLst>
   <p:notesMasterIdLst>
-    <p:notesMasterId r:id="rId23"/>
+    <p:notesMasterId r:id="rId25"/>
   </p:notesMasterIdLst>
   <p:sldIdLst>
     <p:sldId id="257" r:id="rId2"/>
@@ -29,6 +29,8 @@
     <p:sldId id="274" r:id="rId20"/>
     <p:sldId id="275" r:id="rId21"/>
     <p:sldId id="276" r:id="rId22"/>
+    <p:sldId id="281" r:id="rId23"/>
+    <p:sldId id="282" r:id="rId24"/>
   </p:sldIdLst>
   <p:sldSz cx="9144000" cy="6858000" type="screen4x3"/>
   <p:notesSz cx="6858000" cy="9144000"/>
@@ -212,7 +214,7 @@
           <a:p>
             <a:fld id="{A12B7816-6511-4334-A9B5-D5644483FDF1}" type="datetimeFigureOut">
               <a:rPr lang="tr-TR" smtClean="0"/>
-              <a:t>25.4.2015</a:t>
+              <a:t>1.5.2015</a:t>
             </a:fld>
             <a:endParaRPr lang="tr-TR"/>
           </a:p>
@@ -1289,6 +1291,258 @@
 </p:notes>
 </file>
 
+<file path=ppt/notesSlides/notesSlide14.xml><?xml version="1.0" encoding="utf-8"?>
+<p:notes xmlns:a="http://schemas.openxmlformats.org/drawingml/2006/main" xmlns:r="http://schemas.openxmlformats.org/officeDocument/2006/relationships" xmlns:p="http://schemas.openxmlformats.org/presentationml/2006/main">
+  <p:cSld>
+    <p:spTree>
+      <p:nvGrpSpPr>
+        <p:cNvPr id="1" name=""/>
+        <p:cNvGrpSpPr/>
+        <p:nvPr/>
+      </p:nvGrpSpPr>
+      <p:grpSpPr>
+        <a:xfrm>
+          <a:off x="0" y="0"/>
+          <a:ext cx="0" cy="0"/>
+          <a:chOff x="0" y="0"/>
+          <a:chExt cx="0" cy="0"/>
+        </a:xfrm>
+      </p:grpSpPr>
+      <p:sp>
+        <p:nvSpPr>
+          <p:cNvPr id="2" name="Slayt Görüntüsü Yer Tutucusu 1"/>
+          <p:cNvSpPr>
+            <a:spLocks noGrp="1" noRot="1" noChangeAspect="1"/>
+          </p:cNvSpPr>
+          <p:nvPr>
+            <p:ph type="sldImg"/>
+          </p:nvPr>
+        </p:nvSpPr>
+        <p:spPr/>
+      </p:sp>
+      <p:sp>
+        <p:nvSpPr>
+          <p:cNvPr id="3" name="Not Yer Tutucusu 2"/>
+          <p:cNvSpPr>
+            <a:spLocks noGrp="1"/>
+          </p:cNvSpPr>
+          <p:nvPr>
+            <p:ph type="body" idx="1"/>
+          </p:nvPr>
+        </p:nvSpPr>
+        <p:spPr/>
+        <p:txBody>
+          <a:bodyPr/>
+          <a:lstStyle/>
+          <a:p>
+            <a:endParaRPr lang="tr-TR" dirty="0"/>
+          </a:p>
+        </p:txBody>
+      </p:sp>
+      <p:sp>
+        <p:nvSpPr>
+          <p:cNvPr id="4" name="Slayt Numarası Yer Tutucusu 3"/>
+          <p:cNvSpPr>
+            <a:spLocks noGrp="1"/>
+          </p:cNvSpPr>
+          <p:nvPr>
+            <p:ph type="sldNum" sz="quarter" idx="10"/>
+          </p:nvPr>
+        </p:nvSpPr>
+        <p:spPr/>
+        <p:txBody>
+          <a:bodyPr/>
+          <a:lstStyle/>
+          <a:p>
+            <a:fld id="{72F863C9-8587-4D47-BC8C-6304C2C18B23}" type="slidenum">
+              <a:rPr lang="tr-TR" smtClean="0"/>
+              <a:t>21</a:t>
+            </a:fld>
+            <a:endParaRPr lang="tr-TR"/>
+          </a:p>
+        </p:txBody>
+      </p:sp>
+    </p:spTree>
+    <p:extLst>
+      <p:ext uri="{BB962C8B-B14F-4D97-AF65-F5344CB8AC3E}">
+        <p14:creationId xmlns:p14="http://schemas.microsoft.com/office/powerpoint/2010/main" val="2133049057"/>
+      </p:ext>
+    </p:extLst>
+  </p:cSld>
+  <p:clrMapOvr>
+    <a:masterClrMapping/>
+  </p:clrMapOvr>
+</p:notes>
+</file>
+
+<file path=ppt/notesSlides/notesSlide15.xml><?xml version="1.0" encoding="utf-8"?>
+<p:notes xmlns:a="http://schemas.openxmlformats.org/drawingml/2006/main" xmlns:r="http://schemas.openxmlformats.org/officeDocument/2006/relationships" xmlns:p="http://schemas.openxmlformats.org/presentationml/2006/main">
+  <p:cSld>
+    <p:spTree>
+      <p:nvGrpSpPr>
+        <p:cNvPr id="1" name=""/>
+        <p:cNvGrpSpPr/>
+        <p:nvPr/>
+      </p:nvGrpSpPr>
+      <p:grpSpPr>
+        <a:xfrm>
+          <a:off x="0" y="0"/>
+          <a:ext cx="0" cy="0"/>
+          <a:chOff x="0" y="0"/>
+          <a:chExt cx="0" cy="0"/>
+        </a:xfrm>
+      </p:grpSpPr>
+      <p:sp>
+        <p:nvSpPr>
+          <p:cNvPr id="2" name="Slayt Görüntüsü Yer Tutucusu 1"/>
+          <p:cNvSpPr>
+            <a:spLocks noGrp="1" noRot="1" noChangeAspect="1"/>
+          </p:cNvSpPr>
+          <p:nvPr>
+            <p:ph type="sldImg"/>
+          </p:nvPr>
+        </p:nvSpPr>
+        <p:spPr/>
+      </p:sp>
+      <p:sp>
+        <p:nvSpPr>
+          <p:cNvPr id="3" name="Not Yer Tutucusu 2"/>
+          <p:cNvSpPr>
+            <a:spLocks noGrp="1"/>
+          </p:cNvSpPr>
+          <p:nvPr>
+            <p:ph type="body" idx="1"/>
+          </p:nvPr>
+        </p:nvSpPr>
+        <p:spPr/>
+        <p:txBody>
+          <a:bodyPr/>
+          <a:lstStyle/>
+          <a:p>
+            <a:endParaRPr lang="tr-TR" dirty="0"/>
+          </a:p>
+        </p:txBody>
+      </p:sp>
+      <p:sp>
+        <p:nvSpPr>
+          <p:cNvPr id="4" name="Slayt Numarası Yer Tutucusu 3"/>
+          <p:cNvSpPr>
+            <a:spLocks noGrp="1"/>
+          </p:cNvSpPr>
+          <p:nvPr>
+            <p:ph type="sldNum" sz="quarter" idx="10"/>
+          </p:nvPr>
+        </p:nvSpPr>
+        <p:spPr/>
+        <p:txBody>
+          <a:bodyPr/>
+          <a:lstStyle/>
+          <a:p>
+            <a:fld id="{72F863C9-8587-4D47-BC8C-6304C2C18B23}" type="slidenum">
+              <a:rPr lang="tr-TR" smtClean="0"/>
+              <a:t>22</a:t>
+            </a:fld>
+            <a:endParaRPr lang="tr-TR"/>
+          </a:p>
+        </p:txBody>
+      </p:sp>
+    </p:spTree>
+    <p:extLst>
+      <p:ext uri="{BB962C8B-B14F-4D97-AF65-F5344CB8AC3E}">
+        <p14:creationId xmlns:p14="http://schemas.microsoft.com/office/powerpoint/2010/main" val="2133049057"/>
+      </p:ext>
+    </p:extLst>
+  </p:cSld>
+  <p:clrMapOvr>
+    <a:masterClrMapping/>
+  </p:clrMapOvr>
+</p:notes>
+</file>
+
+<file path=ppt/notesSlides/notesSlide16.xml><?xml version="1.0" encoding="utf-8"?>
+<p:notes xmlns:a="http://schemas.openxmlformats.org/drawingml/2006/main" xmlns:r="http://schemas.openxmlformats.org/officeDocument/2006/relationships" xmlns:p="http://schemas.openxmlformats.org/presentationml/2006/main">
+  <p:cSld>
+    <p:spTree>
+      <p:nvGrpSpPr>
+        <p:cNvPr id="1" name=""/>
+        <p:cNvGrpSpPr/>
+        <p:nvPr/>
+      </p:nvGrpSpPr>
+      <p:grpSpPr>
+        <a:xfrm>
+          <a:off x="0" y="0"/>
+          <a:ext cx="0" cy="0"/>
+          <a:chOff x="0" y="0"/>
+          <a:chExt cx="0" cy="0"/>
+        </a:xfrm>
+      </p:grpSpPr>
+      <p:sp>
+        <p:nvSpPr>
+          <p:cNvPr id="2" name="Slayt Görüntüsü Yer Tutucusu 1"/>
+          <p:cNvSpPr>
+            <a:spLocks noGrp="1" noRot="1" noChangeAspect="1"/>
+          </p:cNvSpPr>
+          <p:nvPr>
+            <p:ph type="sldImg"/>
+          </p:nvPr>
+        </p:nvSpPr>
+        <p:spPr/>
+      </p:sp>
+      <p:sp>
+        <p:nvSpPr>
+          <p:cNvPr id="3" name="Not Yer Tutucusu 2"/>
+          <p:cNvSpPr>
+            <a:spLocks noGrp="1"/>
+          </p:cNvSpPr>
+          <p:nvPr>
+            <p:ph type="body" idx="1"/>
+          </p:nvPr>
+        </p:nvSpPr>
+        <p:spPr/>
+        <p:txBody>
+          <a:bodyPr/>
+          <a:lstStyle/>
+          <a:p>
+            <a:endParaRPr lang="tr-TR" dirty="0"/>
+          </a:p>
+        </p:txBody>
+      </p:sp>
+      <p:sp>
+        <p:nvSpPr>
+          <p:cNvPr id="4" name="Slayt Numarası Yer Tutucusu 3"/>
+          <p:cNvSpPr>
+            <a:spLocks noGrp="1"/>
+          </p:cNvSpPr>
+          <p:nvPr>
+            <p:ph type="sldNum" sz="quarter" idx="10"/>
+          </p:nvPr>
+        </p:nvSpPr>
+        <p:spPr/>
+        <p:txBody>
+          <a:bodyPr/>
+          <a:lstStyle/>
+          <a:p>
+            <a:fld id="{72F863C9-8587-4D47-BC8C-6304C2C18B23}" type="slidenum">
+              <a:rPr lang="tr-TR" smtClean="0"/>
+              <a:t>23</a:t>
+            </a:fld>
+            <a:endParaRPr lang="tr-TR"/>
+          </a:p>
+        </p:txBody>
+      </p:sp>
+    </p:spTree>
+    <p:extLst>
+      <p:ext uri="{BB962C8B-B14F-4D97-AF65-F5344CB8AC3E}">
+        <p14:creationId xmlns:p14="http://schemas.microsoft.com/office/powerpoint/2010/main" val="2133049057"/>
+      </p:ext>
+    </p:extLst>
+  </p:cSld>
+  <p:clrMapOvr>
+    <a:masterClrMapping/>
+  </p:clrMapOvr>
+</p:notes>
+</file>
+
 <file path=ppt/notesSlides/notesSlide2.xml><?xml version="1.0" encoding="utf-8"?>
 <p:notes xmlns:a="http://schemas.openxmlformats.org/drawingml/2006/main" xmlns:r="http://schemas.openxmlformats.org/officeDocument/2006/relationships" xmlns:p="http://schemas.openxmlformats.org/presentationml/2006/main">
   <p:cSld>
@@ -3748,7 +4002,7 @@
           <a:p>
             <a:fld id="{66709594-94DC-4ADF-A19B-2F162E02ADE9}" type="datetimeFigureOut">
               <a:rPr lang="tr-TR" smtClean="0"/>
-              <a:t>25.4.2015</a:t>
+              <a:t>1.5.2015</a:t>
             </a:fld>
             <a:endParaRPr lang="tr-TR"/>
           </a:p>
@@ -3918,7 +4172,7 @@
           <a:p>
             <a:fld id="{66709594-94DC-4ADF-A19B-2F162E02ADE9}" type="datetimeFigureOut">
               <a:rPr lang="tr-TR" smtClean="0"/>
-              <a:t>25.4.2015</a:t>
+              <a:t>1.5.2015</a:t>
             </a:fld>
             <a:endParaRPr lang="tr-TR"/>
           </a:p>
@@ -4098,7 +4352,7 @@
           <a:p>
             <a:fld id="{66709594-94DC-4ADF-A19B-2F162E02ADE9}" type="datetimeFigureOut">
               <a:rPr lang="tr-TR" smtClean="0"/>
-              <a:t>25.4.2015</a:t>
+              <a:t>1.5.2015</a:t>
             </a:fld>
             <a:endParaRPr lang="tr-TR"/>
           </a:p>
@@ -4268,7 +4522,7 @@
           <a:p>
             <a:fld id="{66709594-94DC-4ADF-A19B-2F162E02ADE9}" type="datetimeFigureOut">
               <a:rPr lang="tr-TR" smtClean="0"/>
-              <a:t>25.4.2015</a:t>
+              <a:t>1.5.2015</a:t>
             </a:fld>
             <a:endParaRPr lang="tr-TR"/>
           </a:p>
@@ -4514,7 +4768,7 @@
           <a:p>
             <a:fld id="{66709594-94DC-4ADF-A19B-2F162E02ADE9}" type="datetimeFigureOut">
               <a:rPr lang="tr-TR" smtClean="0"/>
-              <a:t>25.4.2015</a:t>
+              <a:t>1.5.2015</a:t>
             </a:fld>
             <a:endParaRPr lang="tr-TR"/>
           </a:p>
@@ -4802,7 +5056,7 @@
           <a:p>
             <a:fld id="{66709594-94DC-4ADF-A19B-2F162E02ADE9}" type="datetimeFigureOut">
               <a:rPr lang="tr-TR" smtClean="0"/>
-              <a:t>25.4.2015</a:t>
+              <a:t>1.5.2015</a:t>
             </a:fld>
             <a:endParaRPr lang="tr-TR"/>
           </a:p>
@@ -5224,7 +5478,7 @@
           <a:p>
             <a:fld id="{66709594-94DC-4ADF-A19B-2F162E02ADE9}" type="datetimeFigureOut">
               <a:rPr lang="tr-TR" smtClean="0"/>
-              <a:t>25.4.2015</a:t>
+              <a:t>1.5.2015</a:t>
             </a:fld>
             <a:endParaRPr lang="tr-TR"/>
           </a:p>
@@ -5342,7 +5596,7 @@
           <a:p>
             <a:fld id="{66709594-94DC-4ADF-A19B-2F162E02ADE9}" type="datetimeFigureOut">
               <a:rPr lang="tr-TR" smtClean="0"/>
-              <a:t>25.4.2015</a:t>
+              <a:t>1.5.2015</a:t>
             </a:fld>
             <a:endParaRPr lang="tr-TR"/>
           </a:p>
@@ -5437,7 +5691,7 @@
           <a:p>
             <a:fld id="{66709594-94DC-4ADF-A19B-2F162E02ADE9}" type="datetimeFigureOut">
               <a:rPr lang="tr-TR" smtClean="0"/>
-              <a:t>25.4.2015</a:t>
+              <a:t>1.5.2015</a:t>
             </a:fld>
             <a:endParaRPr lang="tr-TR"/>
           </a:p>
@@ -5714,7 +5968,7 @@
           <a:p>
             <a:fld id="{66709594-94DC-4ADF-A19B-2F162E02ADE9}" type="datetimeFigureOut">
               <a:rPr lang="tr-TR" smtClean="0"/>
-              <a:t>25.4.2015</a:t>
+              <a:t>1.5.2015</a:t>
             </a:fld>
             <a:endParaRPr lang="tr-TR"/>
           </a:p>
@@ -5967,7 +6221,7 @@
           <a:p>
             <a:fld id="{66709594-94DC-4ADF-A19B-2F162E02ADE9}" type="datetimeFigureOut">
               <a:rPr lang="tr-TR" smtClean="0"/>
-              <a:t>25.4.2015</a:t>
+              <a:t>1.5.2015</a:t>
             </a:fld>
             <a:endParaRPr lang="tr-TR"/>
           </a:p>
@@ -6180,7 +6434,7 @@
           <a:p>
             <a:fld id="{66709594-94DC-4ADF-A19B-2F162E02ADE9}" type="datetimeFigureOut">
               <a:rPr lang="tr-TR" smtClean="0"/>
-              <a:t>25.4.2015</a:t>
+              <a:t>1.5.2015</a:t>
             </a:fld>
             <a:endParaRPr lang="tr-TR"/>
           </a:p>
@@ -7414,7 +7668,7 @@
                 <a:latin typeface="Consolas" panose="020B0609020204030204" pitchFamily="49" charset="0"/>
                 <a:cs typeface="Consolas" panose="020B0609020204030204" pitchFamily="49" charset="0"/>
               </a:rPr>
-              <a:t>HtmFormData</a:t>
+              <a:t>HtmlFormData</a:t>
             </a:r>
             <a:r>
               <a:rPr lang="tr-TR" dirty="0" smtClean="0">
@@ -8752,7 +9006,7 @@
         </p:nvSpPr>
         <p:spPr>
           <a:xfrm>
-            <a:off x="3945715" y="5997237"/>
+            <a:off x="4060015" y="5997237"/>
             <a:ext cx="3794637" cy="509057"/>
           </a:xfrm>
           <a:prstGeom prst="roundRect">
@@ -17721,7 +17975,7 @@
                 <a:latin typeface="Consolas" panose="020B0609020204030204" pitchFamily="49" charset="0"/>
                 <a:cs typeface="Consolas" panose="020B0609020204030204" pitchFamily="49" charset="0"/>
               </a:rPr>
-              <a:t>HtmFormData</a:t>
+              <a:t>HtmlFormData</a:t>
             </a:r>
             <a:r>
               <a:rPr lang="tr-TR" dirty="0" smtClean="0">
@@ -21920,8 +22174,16 @@
               <a:rPr lang="tr-TR" dirty="0" smtClean="0"/>
             </a:br>
             <a:r>
+              <a:rPr lang="tr-TR" b="1" dirty="0" smtClean="0"/>
+              <a:t>sıkı </a:t>
+            </a:r>
+            <a:r>
+              <a:rPr lang="tr-TR" b="1" dirty="0" err="1" smtClean="0"/>
+              <a:t>tiplendirilmiş</a:t>
+            </a:r>
+            <a:r>
               <a:rPr lang="tr-TR" dirty="0" smtClean="0"/>
-              <a:t>veri aktarımı</a:t>
+              <a:t> veri aktarımı </a:t>
             </a:r>
             <a:endParaRPr lang="tr-TR" dirty="0"/>
           </a:p>
@@ -22776,8 +23038,24 @@
               <a:rPr lang="tr-TR" dirty="0" smtClean="0"/>
             </a:br>
             <a:r>
+              <a:rPr lang="tr-TR" b="1" dirty="0"/>
+              <a:t>sıkı </a:t>
+            </a:r>
+            <a:r>
+              <a:rPr lang="tr-TR" b="1" dirty="0" err="1"/>
+              <a:t>tiplendirilmiş</a:t>
+            </a:r>
+            <a:r>
+              <a:rPr lang="tr-TR" b="1" dirty="0"/>
+              <a:t> </a:t>
+            </a:r>
+            <a:r>
               <a:rPr lang="tr-TR" dirty="0" smtClean="0"/>
-              <a:t>veri aktarımı</a:t>
+              <a:t>veri </a:t>
+            </a:r>
+            <a:r>
+              <a:rPr lang="tr-TR" dirty="0" smtClean="0"/>
+              <a:t>aktarımı</a:t>
             </a:r>
             <a:endParaRPr lang="tr-TR" dirty="0"/>
           </a:p>
@@ -23629,6 +23907,2014 @@
     <p:extLst>
       <p:ext uri="{BB962C8B-B14F-4D97-AF65-F5344CB8AC3E}">
         <p14:creationId xmlns:p14="http://schemas.microsoft.com/office/powerpoint/2010/main" val="3668543562"/>
+      </p:ext>
+    </p:extLst>
+  </p:cSld>
+  <p:clrMapOvr>
+    <a:masterClrMapping/>
+  </p:clrMapOvr>
+</p:sld>
+</file>
+
+<file path=ppt/slides/slide22.xml><?xml version="1.0" encoding="utf-8"?>
+<p:sld xmlns:a="http://schemas.openxmlformats.org/drawingml/2006/main" xmlns:r="http://schemas.openxmlformats.org/officeDocument/2006/relationships" xmlns:p="http://schemas.openxmlformats.org/presentationml/2006/main">
+  <p:cSld>
+    <p:spTree>
+      <p:nvGrpSpPr>
+        <p:cNvPr id="1" name=""/>
+        <p:cNvGrpSpPr/>
+        <p:nvPr/>
+      </p:nvGrpSpPr>
+      <p:grpSpPr>
+        <a:xfrm>
+          <a:off x="0" y="0"/>
+          <a:ext cx="0" cy="0"/>
+          <a:chOff x="0" y="0"/>
+          <a:chExt cx="0" cy="0"/>
+        </a:xfrm>
+      </p:grpSpPr>
+      <p:sp>
+        <p:nvSpPr>
+          <p:cNvPr id="2" name="Başlık 1"/>
+          <p:cNvSpPr>
+            <a:spLocks noGrp="1"/>
+          </p:cNvSpPr>
+          <p:nvPr>
+            <p:ph type="title"/>
+          </p:nvPr>
+        </p:nvSpPr>
+        <p:spPr/>
+        <p:txBody>
+          <a:bodyPr>
+            <a:normAutofit fontScale="90000"/>
+          </a:bodyPr>
+          <a:lstStyle/>
+          <a:p>
+            <a:r>
+              <a:rPr lang="tr-TR" dirty="0" err="1" smtClean="0"/>
+              <a:t>Görünüm'e</a:t>
+            </a:r>
+            <a:r>
+              <a:rPr lang="tr-TR" dirty="0" smtClean="0"/>
+              <a:t> (</a:t>
+            </a:r>
+            <a:r>
+              <a:rPr lang="tr-TR" b="1" dirty="0" err="1" smtClean="0"/>
+              <a:t>View</a:t>
+            </a:r>
+            <a:r>
+              <a:rPr lang="tr-TR" dirty="0" smtClean="0"/>
+              <a:t>)</a:t>
+            </a:r>
+            <a:br>
+              <a:rPr lang="tr-TR" dirty="0" smtClean="0"/>
+            </a:br>
+            <a:r>
+              <a:rPr lang="tr-TR" sz="4000" dirty="0" smtClean="0"/>
+              <a:t>birden fazla </a:t>
+            </a:r>
+            <a:r>
+              <a:rPr lang="tr-TR" sz="4000" b="1" dirty="0" smtClean="0"/>
+              <a:t>sıkı </a:t>
+            </a:r>
+            <a:r>
+              <a:rPr lang="tr-TR" sz="4000" b="1" dirty="0" err="1" smtClean="0"/>
+              <a:t>tiplendirilmiş</a:t>
+            </a:r>
+            <a:r>
+              <a:rPr lang="tr-TR" sz="4000" dirty="0" smtClean="0"/>
+              <a:t> veri </a:t>
+            </a:r>
+            <a:r>
+              <a:rPr lang="tr-TR" sz="4000" dirty="0" smtClean="0"/>
+              <a:t>aktarımı</a:t>
+            </a:r>
+            <a:endParaRPr lang="tr-TR" sz="4000" dirty="0"/>
+          </a:p>
+        </p:txBody>
+      </p:sp>
+      <p:sp>
+        <p:nvSpPr>
+          <p:cNvPr id="3" name="İçerik Yer Tutucusu 2"/>
+          <p:cNvSpPr>
+            <a:spLocks noGrp="1"/>
+          </p:cNvSpPr>
+          <p:nvPr>
+            <p:ph idx="1"/>
+          </p:nvPr>
+        </p:nvSpPr>
+        <p:spPr/>
+        <p:txBody>
+          <a:bodyPr>
+            <a:normAutofit/>
+          </a:bodyPr>
+          <a:lstStyle/>
+          <a:p>
+            <a:pPr marL="0" indent="0">
+              <a:buNone/>
+            </a:pPr>
+            <a:r>
+              <a:rPr lang="tr-TR" sz="6600" dirty="0" smtClean="0">
+                <a:solidFill>
+                  <a:srgbClr val="00B050"/>
+                </a:solidFill>
+              </a:rPr>
+              <a:t>@model  </a:t>
+            </a:r>
+          </a:p>
+        </p:txBody>
+      </p:sp>
+      <p:sp>
+        <p:nvSpPr>
+          <p:cNvPr id="6" name="İçerik Yer Tutucusu 3"/>
+          <p:cNvSpPr txBox="1">
+            <a:spLocks/>
+          </p:cNvSpPr>
+          <p:nvPr/>
+        </p:nvSpPr>
+        <p:spPr>
+          <a:xfrm>
+            <a:off x="154782" y="2695025"/>
+            <a:ext cx="8826922" cy="1107996"/>
+          </a:xfrm>
+          <a:prstGeom prst="rect">
+            <a:avLst/>
+          </a:prstGeom>
+          <a:noFill/>
+        </p:spPr>
+        <p:txBody>
+          <a:bodyPr vert="horz" wrap="square" lIns="91440" tIns="45720" rIns="91440" bIns="45720" rtlCol="0">
+            <a:spAutoFit/>
+          </a:bodyPr>
+          <a:lstStyle>
+            <a:lvl1pPr marL="342900" indent="-342900" algn="l" defTabSz="914400" rtl="0" eaLnBrk="1" latinLnBrk="0" hangingPunct="1">
+              <a:spcBef>
+                <a:spcPct val="20000"/>
+              </a:spcBef>
+              <a:buFont typeface="Arial" panose="020B0604020202020204" pitchFamily="34" charset="0"/>
+              <a:buChar char="•"/>
+              <a:defRPr sz="3200" kern="1200">
+                <a:solidFill>
+                  <a:schemeClr val="tx1"/>
+                </a:solidFill>
+                <a:latin typeface="+mn-lt"/>
+                <a:ea typeface="+mn-ea"/>
+                <a:cs typeface="+mn-cs"/>
+              </a:defRPr>
+            </a:lvl1pPr>
+            <a:lvl2pPr marL="742950" indent="-285750" algn="l" defTabSz="914400" rtl="0" eaLnBrk="1" latinLnBrk="0" hangingPunct="1">
+              <a:spcBef>
+                <a:spcPct val="20000"/>
+              </a:spcBef>
+              <a:buFont typeface="Arial" panose="020B0604020202020204" pitchFamily="34" charset="0"/>
+              <a:buChar char="–"/>
+              <a:defRPr sz="2800" kern="1200">
+                <a:solidFill>
+                  <a:schemeClr val="tx1"/>
+                </a:solidFill>
+                <a:latin typeface="+mn-lt"/>
+                <a:ea typeface="+mn-ea"/>
+                <a:cs typeface="+mn-cs"/>
+              </a:defRPr>
+            </a:lvl2pPr>
+            <a:lvl3pPr marL="1143000" indent="-228600" algn="l" defTabSz="914400" rtl="0" eaLnBrk="1" latinLnBrk="0" hangingPunct="1">
+              <a:spcBef>
+                <a:spcPct val="20000"/>
+              </a:spcBef>
+              <a:buFont typeface="Arial" panose="020B0604020202020204" pitchFamily="34" charset="0"/>
+              <a:buChar char="•"/>
+              <a:defRPr sz="2400" kern="1200">
+                <a:solidFill>
+                  <a:schemeClr val="tx1"/>
+                </a:solidFill>
+                <a:latin typeface="+mn-lt"/>
+                <a:ea typeface="+mn-ea"/>
+                <a:cs typeface="+mn-cs"/>
+              </a:defRPr>
+            </a:lvl3pPr>
+            <a:lvl4pPr marL="1600200" indent="-228600" algn="l" defTabSz="914400" rtl="0" eaLnBrk="1" latinLnBrk="0" hangingPunct="1">
+              <a:spcBef>
+                <a:spcPct val="20000"/>
+              </a:spcBef>
+              <a:buFont typeface="Arial" panose="020B0604020202020204" pitchFamily="34" charset="0"/>
+              <a:buChar char="–"/>
+              <a:defRPr sz="2000" kern="1200">
+                <a:solidFill>
+                  <a:schemeClr val="tx1"/>
+                </a:solidFill>
+                <a:latin typeface="+mn-lt"/>
+                <a:ea typeface="+mn-ea"/>
+                <a:cs typeface="+mn-cs"/>
+              </a:defRPr>
+            </a:lvl4pPr>
+            <a:lvl5pPr marL="2057400" indent="-228600" algn="l" defTabSz="914400" rtl="0" eaLnBrk="1" latinLnBrk="0" hangingPunct="1">
+              <a:spcBef>
+                <a:spcPct val="20000"/>
+              </a:spcBef>
+              <a:buFont typeface="Arial" panose="020B0604020202020204" pitchFamily="34" charset="0"/>
+              <a:buChar char="»"/>
+              <a:defRPr sz="2000" kern="1200">
+                <a:solidFill>
+                  <a:schemeClr val="tx1"/>
+                </a:solidFill>
+                <a:latin typeface="+mn-lt"/>
+                <a:ea typeface="+mn-ea"/>
+                <a:cs typeface="+mn-cs"/>
+              </a:defRPr>
+            </a:lvl5pPr>
+            <a:lvl6pPr marL="2514600" indent="-228600" algn="l" defTabSz="914400" rtl="0" eaLnBrk="1" latinLnBrk="0" hangingPunct="1">
+              <a:spcBef>
+                <a:spcPct val="20000"/>
+              </a:spcBef>
+              <a:buFont typeface="Arial" panose="020B0604020202020204" pitchFamily="34" charset="0"/>
+              <a:buChar char="•"/>
+              <a:defRPr sz="2000" kern="1200">
+                <a:solidFill>
+                  <a:schemeClr val="tx1"/>
+                </a:solidFill>
+                <a:latin typeface="+mn-lt"/>
+                <a:ea typeface="+mn-ea"/>
+                <a:cs typeface="+mn-cs"/>
+              </a:defRPr>
+            </a:lvl6pPr>
+            <a:lvl7pPr marL="2971800" indent="-228600" algn="l" defTabSz="914400" rtl="0" eaLnBrk="1" latinLnBrk="0" hangingPunct="1">
+              <a:spcBef>
+                <a:spcPct val="20000"/>
+              </a:spcBef>
+              <a:buFont typeface="Arial" panose="020B0604020202020204" pitchFamily="34" charset="0"/>
+              <a:buChar char="•"/>
+              <a:defRPr sz="2000" kern="1200">
+                <a:solidFill>
+                  <a:schemeClr val="tx1"/>
+                </a:solidFill>
+                <a:latin typeface="+mn-lt"/>
+                <a:ea typeface="+mn-ea"/>
+                <a:cs typeface="+mn-cs"/>
+              </a:defRPr>
+            </a:lvl7pPr>
+            <a:lvl8pPr marL="3429000" indent="-228600" algn="l" defTabSz="914400" rtl="0" eaLnBrk="1" latinLnBrk="0" hangingPunct="1">
+              <a:spcBef>
+                <a:spcPct val="20000"/>
+              </a:spcBef>
+              <a:buFont typeface="Arial" panose="020B0604020202020204" pitchFamily="34" charset="0"/>
+              <a:buChar char="•"/>
+              <a:defRPr sz="2000" kern="1200">
+                <a:solidFill>
+                  <a:schemeClr val="tx1"/>
+                </a:solidFill>
+                <a:latin typeface="+mn-lt"/>
+                <a:ea typeface="+mn-ea"/>
+                <a:cs typeface="+mn-cs"/>
+              </a:defRPr>
+            </a:lvl8pPr>
+            <a:lvl9pPr marL="3886200" indent="-228600" algn="l" defTabSz="914400" rtl="0" eaLnBrk="1" latinLnBrk="0" hangingPunct="1">
+              <a:spcBef>
+                <a:spcPct val="20000"/>
+              </a:spcBef>
+              <a:buFont typeface="Arial" panose="020B0604020202020204" pitchFamily="34" charset="0"/>
+              <a:buChar char="•"/>
+              <a:defRPr sz="2000" kern="1200">
+                <a:solidFill>
+                  <a:schemeClr val="tx1"/>
+                </a:solidFill>
+                <a:latin typeface="+mn-lt"/>
+                <a:ea typeface="+mn-ea"/>
+                <a:cs typeface="+mn-cs"/>
+              </a:defRPr>
+            </a:lvl9pPr>
+          </a:lstStyle>
+          <a:p>
+            <a:pPr marL="0" indent="0">
+              <a:buNone/>
+            </a:pPr>
+            <a:r>
+              <a:rPr lang="tr-TR" sz="3000" dirty="0" err="1" smtClean="0">
+                <a:solidFill>
+                  <a:srgbClr val="0070C0"/>
+                </a:solidFill>
+                <a:latin typeface="Consolas" panose="020B0609020204030204" pitchFamily="49" charset="0"/>
+                <a:cs typeface="Consolas" panose="020B0609020204030204" pitchFamily="49" charset="0"/>
+              </a:rPr>
+              <a:t>new</a:t>
+            </a:r>
+            <a:r>
+              <a:rPr lang="tr-TR" sz="3000" dirty="0" smtClean="0">
+                <a:solidFill>
+                  <a:srgbClr val="0070C0"/>
+                </a:solidFill>
+                <a:latin typeface="Consolas" panose="020B0609020204030204" pitchFamily="49" charset="0"/>
+                <a:cs typeface="Consolas" panose="020B0609020204030204" pitchFamily="49" charset="0"/>
+              </a:rPr>
+              <a:t> </a:t>
+            </a:r>
+            <a:r>
+              <a:rPr lang="tr-TR" sz="3000" dirty="0" err="1" smtClean="0">
+                <a:solidFill>
+                  <a:srgbClr val="00B0F0"/>
+                </a:solidFill>
+                <a:latin typeface="Consolas" panose="020B0609020204030204" pitchFamily="49" charset="0"/>
+                <a:cs typeface="Consolas" panose="020B0609020204030204" pitchFamily="49" charset="0"/>
+              </a:rPr>
+              <a:t>Person</a:t>
+            </a:r>
+            <a:r>
+              <a:rPr lang="tr-TR" sz="3000" dirty="0" smtClean="0">
+                <a:latin typeface="Consolas" panose="020B0609020204030204" pitchFamily="49" charset="0"/>
+                <a:cs typeface="Consolas" panose="020B0609020204030204" pitchFamily="49" charset="0"/>
+              </a:rPr>
+              <a:t>{ Name=</a:t>
+            </a:r>
+            <a:r>
+              <a:rPr lang="tr-TR" sz="3000" dirty="0" smtClean="0">
+                <a:solidFill>
+                  <a:schemeClr val="accent2">
+                    <a:lumMod val="75000"/>
+                  </a:schemeClr>
+                </a:solidFill>
+                <a:latin typeface="Consolas" panose="020B0609020204030204" pitchFamily="49" charset="0"/>
+                <a:cs typeface="Consolas" panose="020B0609020204030204" pitchFamily="49" charset="0"/>
+              </a:rPr>
+              <a:t>"ali"</a:t>
+            </a:r>
+            <a:r>
+              <a:rPr lang="tr-TR" sz="3000" dirty="0" smtClean="0">
+                <a:latin typeface="Consolas" panose="020B0609020204030204" pitchFamily="49" charset="0"/>
+                <a:cs typeface="Consolas" panose="020B0609020204030204" pitchFamily="49" charset="0"/>
+              </a:rPr>
+              <a:t> Age =</a:t>
+            </a:r>
+            <a:r>
+              <a:rPr lang="tr-TR" sz="3000" dirty="0" smtClean="0">
+                <a:solidFill>
+                  <a:schemeClr val="accent2">
+                    <a:lumMod val="75000"/>
+                  </a:schemeClr>
+                </a:solidFill>
+                <a:latin typeface="Consolas" panose="020B0609020204030204" pitchFamily="49" charset="0"/>
+                <a:cs typeface="Consolas" panose="020B0609020204030204" pitchFamily="49" charset="0"/>
+              </a:rPr>
+              <a:t>12</a:t>
+            </a:r>
+            <a:r>
+              <a:rPr lang="tr-TR" sz="3000" dirty="0" smtClean="0">
+                <a:latin typeface="Consolas" panose="020B0609020204030204" pitchFamily="49" charset="0"/>
+                <a:cs typeface="Consolas" panose="020B0609020204030204" pitchFamily="49" charset="0"/>
+              </a:rPr>
+              <a:t> </a:t>
+            </a:r>
+            <a:r>
+              <a:rPr lang="tr-TR" sz="3000" dirty="0" smtClean="0">
+                <a:latin typeface="Consolas" panose="020B0609020204030204" pitchFamily="49" charset="0"/>
+                <a:cs typeface="Consolas" panose="020B0609020204030204" pitchFamily="49" charset="0"/>
+              </a:rPr>
+              <a:t>};</a:t>
+            </a:r>
+          </a:p>
+          <a:p>
+            <a:pPr marL="0" indent="0">
+              <a:buNone/>
+            </a:pPr>
+            <a:r>
+              <a:rPr lang="tr-TR" sz="3000" dirty="0" err="1">
+                <a:solidFill>
+                  <a:srgbClr val="0070C0"/>
+                </a:solidFill>
+                <a:latin typeface="Consolas" panose="020B0609020204030204" pitchFamily="49" charset="0"/>
+                <a:cs typeface="Consolas" panose="020B0609020204030204" pitchFamily="49" charset="0"/>
+              </a:rPr>
+              <a:t>new</a:t>
+            </a:r>
+            <a:r>
+              <a:rPr lang="tr-TR" sz="3000" dirty="0">
+                <a:solidFill>
+                  <a:srgbClr val="0070C0"/>
+                </a:solidFill>
+                <a:latin typeface="Consolas" panose="020B0609020204030204" pitchFamily="49" charset="0"/>
+                <a:cs typeface="Consolas" panose="020B0609020204030204" pitchFamily="49" charset="0"/>
+              </a:rPr>
+              <a:t> </a:t>
+            </a:r>
+            <a:r>
+              <a:rPr lang="tr-TR" sz="3000" dirty="0" err="1" smtClean="0">
+                <a:solidFill>
+                  <a:srgbClr val="00B0F0"/>
+                </a:solidFill>
+                <a:latin typeface="Consolas" panose="020B0609020204030204" pitchFamily="49" charset="0"/>
+                <a:cs typeface="Consolas" panose="020B0609020204030204" pitchFamily="49" charset="0"/>
+              </a:rPr>
+              <a:t>Address</a:t>
+            </a:r>
+            <a:r>
+              <a:rPr lang="tr-TR" sz="3000" dirty="0" smtClean="0">
+                <a:latin typeface="Consolas" panose="020B0609020204030204" pitchFamily="49" charset="0"/>
+                <a:cs typeface="Consolas" panose="020B0609020204030204" pitchFamily="49" charset="0"/>
+              </a:rPr>
+              <a:t>{ Street=</a:t>
+            </a:r>
+            <a:r>
+              <a:rPr lang="tr-TR" sz="3000" dirty="0" smtClean="0">
+                <a:solidFill>
+                  <a:schemeClr val="accent2">
+                    <a:lumMod val="75000"/>
+                  </a:schemeClr>
+                </a:solidFill>
+                <a:latin typeface="Consolas" panose="020B0609020204030204" pitchFamily="49" charset="0"/>
+                <a:cs typeface="Consolas" panose="020B0609020204030204" pitchFamily="49" charset="0"/>
+              </a:rPr>
+              <a:t>"elma"</a:t>
+            </a:r>
+            <a:r>
+              <a:rPr lang="tr-TR" sz="3000" dirty="0" smtClean="0">
+                <a:latin typeface="Consolas" panose="020B0609020204030204" pitchFamily="49" charset="0"/>
+                <a:cs typeface="Consolas" panose="020B0609020204030204" pitchFamily="49" charset="0"/>
+              </a:rPr>
+              <a:t> </a:t>
+            </a:r>
+            <a:r>
+              <a:rPr lang="tr-TR" sz="3000" dirty="0" err="1" smtClean="0">
+                <a:latin typeface="Consolas" panose="020B0609020204030204" pitchFamily="49" charset="0"/>
+                <a:cs typeface="Consolas" panose="020B0609020204030204" pitchFamily="49" charset="0"/>
+              </a:rPr>
+              <a:t>Zip</a:t>
+            </a:r>
+            <a:r>
+              <a:rPr lang="tr-TR" sz="3000" dirty="0" smtClean="0">
+                <a:latin typeface="Consolas" panose="020B0609020204030204" pitchFamily="49" charset="0"/>
+                <a:cs typeface="Consolas" panose="020B0609020204030204" pitchFamily="49" charset="0"/>
+              </a:rPr>
+              <a:t> = </a:t>
+            </a:r>
+            <a:r>
+              <a:rPr lang="tr-TR" sz="3000" dirty="0" smtClean="0">
+                <a:solidFill>
+                  <a:schemeClr val="accent2">
+                    <a:lumMod val="75000"/>
+                  </a:schemeClr>
+                </a:solidFill>
+                <a:latin typeface="Consolas" panose="020B0609020204030204" pitchFamily="49" charset="0"/>
+                <a:cs typeface="Consolas" panose="020B0609020204030204" pitchFamily="49" charset="0"/>
+              </a:rPr>
+              <a:t>12345</a:t>
+            </a:r>
+            <a:r>
+              <a:rPr lang="tr-TR" sz="3000" dirty="0" smtClean="0">
+                <a:latin typeface="Consolas" panose="020B0609020204030204" pitchFamily="49" charset="0"/>
+                <a:cs typeface="Consolas" panose="020B0609020204030204" pitchFamily="49" charset="0"/>
+              </a:rPr>
+              <a:t> };</a:t>
+            </a:r>
+            <a:endParaRPr lang="tr-TR" sz="3000" dirty="0" smtClean="0">
+              <a:latin typeface="Consolas" panose="020B0609020204030204" pitchFamily="49" charset="0"/>
+              <a:cs typeface="Consolas" panose="020B0609020204030204" pitchFamily="49" charset="0"/>
+            </a:endParaRPr>
+          </a:p>
+        </p:txBody>
+      </p:sp>
+      <p:sp>
+        <p:nvSpPr>
+          <p:cNvPr id="7" name="İçerik Yer Tutucusu 3"/>
+          <p:cNvSpPr txBox="1">
+            <a:spLocks/>
+          </p:cNvSpPr>
+          <p:nvPr/>
+        </p:nvSpPr>
+        <p:spPr>
+          <a:xfrm>
+            <a:off x="368152" y="5229200"/>
+            <a:ext cx="8621513" cy="1311128"/>
+          </a:xfrm>
+          <a:prstGeom prst="rect">
+            <a:avLst/>
+          </a:prstGeom>
+          <a:solidFill>
+            <a:schemeClr val="accent5">
+              <a:lumMod val="20000"/>
+              <a:lumOff val="80000"/>
+            </a:schemeClr>
+          </a:solidFill>
+        </p:spPr>
+        <p:txBody>
+          <a:bodyPr vert="horz" wrap="square" lIns="91440" tIns="45720" rIns="91440" bIns="45720" rtlCol="0">
+            <a:spAutoFit/>
+          </a:bodyPr>
+          <a:lstStyle>
+            <a:lvl1pPr marL="342900" indent="-342900" algn="l" defTabSz="914400" rtl="0" eaLnBrk="1" latinLnBrk="0" hangingPunct="1">
+              <a:spcBef>
+                <a:spcPct val="20000"/>
+              </a:spcBef>
+              <a:buFont typeface="Arial" panose="020B0604020202020204" pitchFamily="34" charset="0"/>
+              <a:buChar char="•"/>
+              <a:defRPr sz="3200" kern="1200">
+                <a:solidFill>
+                  <a:schemeClr val="tx1"/>
+                </a:solidFill>
+                <a:latin typeface="+mn-lt"/>
+                <a:ea typeface="+mn-ea"/>
+                <a:cs typeface="+mn-cs"/>
+              </a:defRPr>
+            </a:lvl1pPr>
+            <a:lvl2pPr marL="742950" indent="-285750" algn="l" defTabSz="914400" rtl="0" eaLnBrk="1" latinLnBrk="0" hangingPunct="1">
+              <a:spcBef>
+                <a:spcPct val="20000"/>
+              </a:spcBef>
+              <a:buFont typeface="Arial" panose="020B0604020202020204" pitchFamily="34" charset="0"/>
+              <a:buChar char="–"/>
+              <a:defRPr sz="2800" kern="1200">
+                <a:solidFill>
+                  <a:schemeClr val="tx1"/>
+                </a:solidFill>
+                <a:latin typeface="+mn-lt"/>
+                <a:ea typeface="+mn-ea"/>
+                <a:cs typeface="+mn-cs"/>
+              </a:defRPr>
+            </a:lvl2pPr>
+            <a:lvl3pPr marL="1143000" indent="-228600" algn="l" defTabSz="914400" rtl="0" eaLnBrk="1" latinLnBrk="0" hangingPunct="1">
+              <a:spcBef>
+                <a:spcPct val="20000"/>
+              </a:spcBef>
+              <a:buFont typeface="Arial" panose="020B0604020202020204" pitchFamily="34" charset="0"/>
+              <a:buChar char="•"/>
+              <a:defRPr sz="2400" kern="1200">
+                <a:solidFill>
+                  <a:schemeClr val="tx1"/>
+                </a:solidFill>
+                <a:latin typeface="+mn-lt"/>
+                <a:ea typeface="+mn-ea"/>
+                <a:cs typeface="+mn-cs"/>
+              </a:defRPr>
+            </a:lvl3pPr>
+            <a:lvl4pPr marL="1600200" indent="-228600" algn="l" defTabSz="914400" rtl="0" eaLnBrk="1" latinLnBrk="0" hangingPunct="1">
+              <a:spcBef>
+                <a:spcPct val="20000"/>
+              </a:spcBef>
+              <a:buFont typeface="Arial" panose="020B0604020202020204" pitchFamily="34" charset="0"/>
+              <a:buChar char="–"/>
+              <a:defRPr sz="2000" kern="1200">
+                <a:solidFill>
+                  <a:schemeClr val="tx1"/>
+                </a:solidFill>
+                <a:latin typeface="+mn-lt"/>
+                <a:ea typeface="+mn-ea"/>
+                <a:cs typeface="+mn-cs"/>
+              </a:defRPr>
+            </a:lvl4pPr>
+            <a:lvl5pPr marL="2057400" indent="-228600" algn="l" defTabSz="914400" rtl="0" eaLnBrk="1" latinLnBrk="0" hangingPunct="1">
+              <a:spcBef>
+                <a:spcPct val="20000"/>
+              </a:spcBef>
+              <a:buFont typeface="Arial" panose="020B0604020202020204" pitchFamily="34" charset="0"/>
+              <a:buChar char="»"/>
+              <a:defRPr sz="2000" kern="1200">
+                <a:solidFill>
+                  <a:schemeClr val="tx1"/>
+                </a:solidFill>
+                <a:latin typeface="+mn-lt"/>
+                <a:ea typeface="+mn-ea"/>
+                <a:cs typeface="+mn-cs"/>
+              </a:defRPr>
+            </a:lvl5pPr>
+            <a:lvl6pPr marL="2514600" indent="-228600" algn="l" defTabSz="914400" rtl="0" eaLnBrk="1" latinLnBrk="0" hangingPunct="1">
+              <a:spcBef>
+                <a:spcPct val="20000"/>
+              </a:spcBef>
+              <a:buFont typeface="Arial" panose="020B0604020202020204" pitchFamily="34" charset="0"/>
+              <a:buChar char="•"/>
+              <a:defRPr sz="2000" kern="1200">
+                <a:solidFill>
+                  <a:schemeClr val="tx1"/>
+                </a:solidFill>
+                <a:latin typeface="+mn-lt"/>
+                <a:ea typeface="+mn-ea"/>
+                <a:cs typeface="+mn-cs"/>
+              </a:defRPr>
+            </a:lvl6pPr>
+            <a:lvl7pPr marL="2971800" indent="-228600" algn="l" defTabSz="914400" rtl="0" eaLnBrk="1" latinLnBrk="0" hangingPunct="1">
+              <a:spcBef>
+                <a:spcPct val="20000"/>
+              </a:spcBef>
+              <a:buFont typeface="Arial" panose="020B0604020202020204" pitchFamily="34" charset="0"/>
+              <a:buChar char="•"/>
+              <a:defRPr sz="2000" kern="1200">
+                <a:solidFill>
+                  <a:schemeClr val="tx1"/>
+                </a:solidFill>
+                <a:latin typeface="+mn-lt"/>
+                <a:ea typeface="+mn-ea"/>
+                <a:cs typeface="+mn-cs"/>
+              </a:defRPr>
+            </a:lvl7pPr>
+            <a:lvl8pPr marL="3429000" indent="-228600" algn="l" defTabSz="914400" rtl="0" eaLnBrk="1" latinLnBrk="0" hangingPunct="1">
+              <a:spcBef>
+                <a:spcPct val="20000"/>
+              </a:spcBef>
+              <a:buFont typeface="Arial" panose="020B0604020202020204" pitchFamily="34" charset="0"/>
+              <a:buChar char="•"/>
+              <a:defRPr sz="2000" kern="1200">
+                <a:solidFill>
+                  <a:schemeClr val="tx1"/>
+                </a:solidFill>
+                <a:latin typeface="+mn-lt"/>
+                <a:ea typeface="+mn-ea"/>
+                <a:cs typeface="+mn-cs"/>
+              </a:defRPr>
+            </a:lvl8pPr>
+            <a:lvl9pPr marL="3886200" indent="-228600" algn="l" defTabSz="914400" rtl="0" eaLnBrk="1" latinLnBrk="0" hangingPunct="1">
+              <a:spcBef>
+                <a:spcPct val="20000"/>
+              </a:spcBef>
+              <a:buFont typeface="Arial" panose="020B0604020202020204" pitchFamily="34" charset="0"/>
+              <a:buChar char="•"/>
+              <a:defRPr sz="2000" kern="1200">
+                <a:solidFill>
+                  <a:schemeClr val="tx1"/>
+                </a:solidFill>
+                <a:latin typeface="+mn-lt"/>
+                <a:ea typeface="+mn-ea"/>
+                <a:cs typeface="+mn-cs"/>
+              </a:defRPr>
+            </a:lvl9pPr>
+          </a:lstStyle>
+          <a:p>
+            <a:pPr marL="0" indent="0">
+              <a:buNone/>
+            </a:pPr>
+            <a:r>
+              <a:rPr lang="tr-TR" sz="3600" dirty="0" smtClean="0">
+                <a:solidFill>
+                  <a:schemeClr val="accent6">
+                    <a:lumMod val="75000"/>
+                  </a:schemeClr>
+                </a:solidFill>
+                <a:latin typeface="Consolas" panose="020B0609020204030204" pitchFamily="49" charset="0"/>
+                <a:cs typeface="Consolas" panose="020B0609020204030204" pitchFamily="49" charset="0"/>
+              </a:rPr>
+              <a:t>@model </a:t>
+            </a:r>
+            <a:r>
+              <a:rPr lang="tr-TR" sz="3600" dirty="0" smtClean="0">
+                <a:solidFill>
+                  <a:srgbClr val="FF0000"/>
+                </a:solidFill>
+                <a:latin typeface="Consolas" panose="020B0609020204030204" pitchFamily="49" charset="0"/>
+                <a:cs typeface="Consolas" panose="020B0609020204030204" pitchFamily="49" charset="0"/>
+              </a:rPr>
+              <a:t>?????</a:t>
+            </a:r>
+            <a:endParaRPr lang="tr-TR" sz="3600" dirty="0" smtClean="0">
+              <a:solidFill>
+                <a:srgbClr val="FF0000"/>
+              </a:solidFill>
+              <a:latin typeface="Consolas" panose="020B0609020204030204" pitchFamily="49" charset="0"/>
+              <a:cs typeface="Consolas" panose="020B0609020204030204" pitchFamily="49" charset="0"/>
+            </a:endParaRPr>
+          </a:p>
+          <a:p>
+            <a:pPr marL="0" indent="0">
+              <a:buNone/>
+            </a:pPr>
+            <a:r>
+              <a:rPr lang="en-US" sz="3600" dirty="0" smtClean="0">
+                <a:solidFill>
+                  <a:srgbClr val="0070C0"/>
+                </a:solidFill>
+                <a:latin typeface="Consolas" panose="020B0609020204030204" pitchFamily="49" charset="0"/>
+                <a:cs typeface="Consolas" panose="020B0609020204030204" pitchFamily="49" charset="0"/>
+              </a:rPr>
+              <a:t>&lt;</a:t>
+            </a:r>
+            <a:r>
+              <a:rPr lang="tr-TR" sz="3600" dirty="0" err="1" smtClean="0">
+                <a:solidFill>
+                  <a:schemeClr val="accent2">
+                    <a:lumMod val="50000"/>
+                  </a:schemeClr>
+                </a:solidFill>
+                <a:latin typeface="Consolas" panose="020B0609020204030204" pitchFamily="49" charset="0"/>
+                <a:cs typeface="Consolas" panose="020B0609020204030204" pitchFamily="49" charset="0"/>
+              </a:rPr>
+              <a:t>strong</a:t>
+            </a:r>
+            <a:r>
+              <a:rPr lang="tr-TR" sz="3600" dirty="0" smtClean="0">
+                <a:solidFill>
+                  <a:srgbClr val="0070C0"/>
+                </a:solidFill>
+                <a:latin typeface="Consolas" panose="020B0609020204030204" pitchFamily="49" charset="0"/>
+                <a:cs typeface="Consolas" panose="020B0609020204030204" pitchFamily="49" charset="0"/>
+              </a:rPr>
+              <a:t>&gt; </a:t>
+            </a:r>
+            <a:r>
+              <a:rPr lang="tr-TR" sz="3600" dirty="0">
+                <a:solidFill>
+                  <a:schemeClr val="accent6">
+                    <a:lumMod val="75000"/>
+                  </a:schemeClr>
+                </a:solidFill>
+                <a:latin typeface="Consolas" panose="020B0609020204030204" pitchFamily="49" charset="0"/>
+                <a:cs typeface="Consolas" panose="020B0609020204030204" pitchFamily="49" charset="0"/>
+              </a:rPr>
+              <a:t>@</a:t>
+            </a:r>
+            <a:r>
+              <a:rPr lang="tr-TR" sz="3600" dirty="0" smtClean="0">
+                <a:latin typeface="Consolas" panose="020B0609020204030204" pitchFamily="49" charset="0"/>
+                <a:cs typeface="Consolas" panose="020B0609020204030204" pitchFamily="49" charset="0"/>
+              </a:rPr>
+              <a:t>Model.</a:t>
+            </a:r>
+            <a:r>
+              <a:rPr lang="tr-TR" sz="3600" dirty="0" smtClean="0">
+                <a:solidFill>
+                  <a:srgbClr val="FF0000"/>
+                </a:solidFill>
+                <a:latin typeface="Consolas" panose="020B0609020204030204" pitchFamily="49" charset="0"/>
+                <a:cs typeface="Consolas" panose="020B0609020204030204" pitchFamily="49" charset="0"/>
+              </a:rPr>
+              <a:t>????? </a:t>
+            </a:r>
+            <a:r>
+              <a:rPr lang="en-US" sz="3600" dirty="0" smtClean="0">
+                <a:solidFill>
+                  <a:srgbClr val="0070C0"/>
+                </a:solidFill>
+                <a:latin typeface="Consolas" panose="020B0609020204030204" pitchFamily="49" charset="0"/>
+                <a:cs typeface="Consolas" panose="020B0609020204030204" pitchFamily="49" charset="0"/>
+              </a:rPr>
+              <a:t>&lt;</a:t>
+            </a:r>
+            <a:r>
+              <a:rPr lang="tr-TR" sz="3600" dirty="0" err="1" smtClean="0">
+                <a:solidFill>
+                  <a:schemeClr val="accent2">
+                    <a:lumMod val="50000"/>
+                  </a:schemeClr>
+                </a:solidFill>
+                <a:latin typeface="Consolas" panose="020B0609020204030204" pitchFamily="49" charset="0"/>
+                <a:cs typeface="Consolas" panose="020B0609020204030204" pitchFamily="49" charset="0"/>
+              </a:rPr>
+              <a:t>strong</a:t>
+            </a:r>
+            <a:r>
+              <a:rPr lang="tr-TR" sz="3600" dirty="0" smtClean="0">
+                <a:solidFill>
+                  <a:srgbClr val="0070C0"/>
+                </a:solidFill>
+                <a:latin typeface="Consolas" panose="020B0609020204030204" pitchFamily="49" charset="0"/>
+                <a:cs typeface="Consolas" panose="020B0609020204030204" pitchFamily="49" charset="0"/>
+              </a:rPr>
+              <a:t>/&gt;</a:t>
+            </a:r>
+            <a:endParaRPr lang="tr-TR" sz="3600" dirty="0" smtClean="0">
+              <a:latin typeface="Consolas" panose="020B0609020204030204" pitchFamily="49" charset="0"/>
+              <a:cs typeface="Consolas" panose="020B0609020204030204" pitchFamily="49" charset="0"/>
+            </a:endParaRPr>
+          </a:p>
+        </p:txBody>
+      </p:sp>
+      <p:sp>
+        <p:nvSpPr>
+          <p:cNvPr id="8" name="İçerik Yer Tutucusu 3"/>
+          <p:cNvSpPr txBox="1">
+            <a:spLocks/>
+          </p:cNvSpPr>
+          <p:nvPr/>
+        </p:nvSpPr>
+        <p:spPr>
+          <a:xfrm>
+            <a:off x="368152" y="3908867"/>
+            <a:ext cx="8352928" cy="523220"/>
+          </a:xfrm>
+          <a:prstGeom prst="rect">
+            <a:avLst/>
+          </a:prstGeom>
+          <a:noFill/>
+        </p:spPr>
+        <p:txBody>
+          <a:bodyPr vert="horz" wrap="square" lIns="91440" tIns="45720" rIns="91440" bIns="45720" rtlCol="0">
+            <a:spAutoFit/>
+          </a:bodyPr>
+          <a:lstStyle>
+            <a:lvl1pPr marL="342900" indent="-342900" algn="l" defTabSz="914400" rtl="0" eaLnBrk="1" latinLnBrk="0" hangingPunct="1">
+              <a:spcBef>
+                <a:spcPct val="20000"/>
+              </a:spcBef>
+              <a:buFont typeface="Arial" panose="020B0604020202020204" pitchFamily="34" charset="0"/>
+              <a:buChar char="•"/>
+              <a:defRPr sz="3200" kern="1200">
+                <a:solidFill>
+                  <a:schemeClr val="tx1"/>
+                </a:solidFill>
+                <a:latin typeface="+mn-lt"/>
+                <a:ea typeface="+mn-ea"/>
+                <a:cs typeface="+mn-cs"/>
+              </a:defRPr>
+            </a:lvl1pPr>
+            <a:lvl2pPr marL="742950" indent="-285750" algn="l" defTabSz="914400" rtl="0" eaLnBrk="1" latinLnBrk="0" hangingPunct="1">
+              <a:spcBef>
+                <a:spcPct val="20000"/>
+              </a:spcBef>
+              <a:buFont typeface="Arial" panose="020B0604020202020204" pitchFamily="34" charset="0"/>
+              <a:buChar char="–"/>
+              <a:defRPr sz="2800" kern="1200">
+                <a:solidFill>
+                  <a:schemeClr val="tx1"/>
+                </a:solidFill>
+                <a:latin typeface="+mn-lt"/>
+                <a:ea typeface="+mn-ea"/>
+                <a:cs typeface="+mn-cs"/>
+              </a:defRPr>
+            </a:lvl2pPr>
+            <a:lvl3pPr marL="1143000" indent="-228600" algn="l" defTabSz="914400" rtl="0" eaLnBrk="1" latinLnBrk="0" hangingPunct="1">
+              <a:spcBef>
+                <a:spcPct val="20000"/>
+              </a:spcBef>
+              <a:buFont typeface="Arial" panose="020B0604020202020204" pitchFamily="34" charset="0"/>
+              <a:buChar char="•"/>
+              <a:defRPr sz="2400" kern="1200">
+                <a:solidFill>
+                  <a:schemeClr val="tx1"/>
+                </a:solidFill>
+                <a:latin typeface="+mn-lt"/>
+                <a:ea typeface="+mn-ea"/>
+                <a:cs typeface="+mn-cs"/>
+              </a:defRPr>
+            </a:lvl3pPr>
+            <a:lvl4pPr marL="1600200" indent="-228600" algn="l" defTabSz="914400" rtl="0" eaLnBrk="1" latinLnBrk="0" hangingPunct="1">
+              <a:spcBef>
+                <a:spcPct val="20000"/>
+              </a:spcBef>
+              <a:buFont typeface="Arial" panose="020B0604020202020204" pitchFamily="34" charset="0"/>
+              <a:buChar char="–"/>
+              <a:defRPr sz="2000" kern="1200">
+                <a:solidFill>
+                  <a:schemeClr val="tx1"/>
+                </a:solidFill>
+                <a:latin typeface="+mn-lt"/>
+                <a:ea typeface="+mn-ea"/>
+                <a:cs typeface="+mn-cs"/>
+              </a:defRPr>
+            </a:lvl4pPr>
+            <a:lvl5pPr marL="2057400" indent="-228600" algn="l" defTabSz="914400" rtl="0" eaLnBrk="1" latinLnBrk="0" hangingPunct="1">
+              <a:spcBef>
+                <a:spcPct val="20000"/>
+              </a:spcBef>
+              <a:buFont typeface="Arial" panose="020B0604020202020204" pitchFamily="34" charset="0"/>
+              <a:buChar char="»"/>
+              <a:defRPr sz="2000" kern="1200">
+                <a:solidFill>
+                  <a:schemeClr val="tx1"/>
+                </a:solidFill>
+                <a:latin typeface="+mn-lt"/>
+                <a:ea typeface="+mn-ea"/>
+                <a:cs typeface="+mn-cs"/>
+              </a:defRPr>
+            </a:lvl5pPr>
+            <a:lvl6pPr marL="2514600" indent="-228600" algn="l" defTabSz="914400" rtl="0" eaLnBrk="1" latinLnBrk="0" hangingPunct="1">
+              <a:spcBef>
+                <a:spcPct val="20000"/>
+              </a:spcBef>
+              <a:buFont typeface="Arial" panose="020B0604020202020204" pitchFamily="34" charset="0"/>
+              <a:buChar char="•"/>
+              <a:defRPr sz="2000" kern="1200">
+                <a:solidFill>
+                  <a:schemeClr val="tx1"/>
+                </a:solidFill>
+                <a:latin typeface="+mn-lt"/>
+                <a:ea typeface="+mn-ea"/>
+                <a:cs typeface="+mn-cs"/>
+              </a:defRPr>
+            </a:lvl6pPr>
+            <a:lvl7pPr marL="2971800" indent="-228600" algn="l" defTabSz="914400" rtl="0" eaLnBrk="1" latinLnBrk="0" hangingPunct="1">
+              <a:spcBef>
+                <a:spcPct val="20000"/>
+              </a:spcBef>
+              <a:buFont typeface="Arial" panose="020B0604020202020204" pitchFamily="34" charset="0"/>
+              <a:buChar char="•"/>
+              <a:defRPr sz="2000" kern="1200">
+                <a:solidFill>
+                  <a:schemeClr val="tx1"/>
+                </a:solidFill>
+                <a:latin typeface="+mn-lt"/>
+                <a:ea typeface="+mn-ea"/>
+                <a:cs typeface="+mn-cs"/>
+              </a:defRPr>
+            </a:lvl7pPr>
+            <a:lvl8pPr marL="3429000" indent="-228600" algn="l" defTabSz="914400" rtl="0" eaLnBrk="1" latinLnBrk="0" hangingPunct="1">
+              <a:spcBef>
+                <a:spcPct val="20000"/>
+              </a:spcBef>
+              <a:buFont typeface="Arial" panose="020B0604020202020204" pitchFamily="34" charset="0"/>
+              <a:buChar char="•"/>
+              <a:defRPr sz="2000" kern="1200">
+                <a:solidFill>
+                  <a:schemeClr val="tx1"/>
+                </a:solidFill>
+                <a:latin typeface="+mn-lt"/>
+                <a:ea typeface="+mn-ea"/>
+                <a:cs typeface="+mn-cs"/>
+              </a:defRPr>
+            </a:lvl8pPr>
+            <a:lvl9pPr marL="3886200" indent="-228600" algn="l" defTabSz="914400" rtl="0" eaLnBrk="1" latinLnBrk="0" hangingPunct="1">
+              <a:spcBef>
+                <a:spcPct val="20000"/>
+              </a:spcBef>
+              <a:buFont typeface="Arial" panose="020B0604020202020204" pitchFamily="34" charset="0"/>
+              <a:buChar char="•"/>
+              <a:defRPr sz="2000" kern="1200">
+                <a:solidFill>
+                  <a:schemeClr val="tx1"/>
+                </a:solidFill>
+                <a:latin typeface="+mn-lt"/>
+                <a:ea typeface="+mn-ea"/>
+                <a:cs typeface="+mn-cs"/>
+              </a:defRPr>
+            </a:lvl9pPr>
+          </a:lstStyle>
+          <a:p>
+            <a:pPr marL="0" indent="0">
+              <a:buNone/>
+            </a:pPr>
+            <a:endParaRPr lang="tr-TR" sz="2800" dirty="0" smtClean="0">
+              <a:latin typeface="Consolas" panose="020B0609020204030204" pitchFamily="49" charset="0"/>
+              <a:cs typeface="Consolas" panose="020B0609020204030204" pitchFamily="49" charset="0"/>
+            </a:endParaRPr>
+          </a:p>
+        </p:txBody>
+      </p:sp>
+      <p:sp>
+        <p:nvSpPr>
+          <p:cNvPr id="4" name="Aşağı Ok 3"/>
+          <p:cNvSpPr/>
+          <p:nvPr/>
+        </p:nvSpPr>
+        <p:spPr>
+          <a:xfrm>
+            <a:off x="2339752" y="3908867"/>
+            <a:ext cx="792088" cy="1468464"/>
+          </a:xfrm>
+          <a:prstGeom prst="downArrow">
+            <a:avLst/>
+          </a:prstGeom>
+          <a:noFill/>
+          <a:ln w="57150">
+            <a:solidFill>
+              <a:srgbClr val="7030A0"/>
+            </a:solidFill>
+          </a:ln>
+        </p:spPr>
+        <p:style>
+          <a:lnRef idx="2">
+            <a:schemeClr val="accent1">
+              <a:shade val="50000"/>
+            </a:schemeClr>
+          </a:lnRef>
+          <a:fillRef idx="1">
+            <a:schemeClr val="accent1"/>
+          </a:fillRef>
+          <a:effectRef idx="0">
+            <a:schemeClr val="accent1"/>
+          </a:effectRef>
+          <a:fontRef idx="minor">
+            <a:schemeClr val="lt1"/>
+          </a:fontRef>
+        </p:style>
+        <p:txBody>
+          <a:bodyPr rtlCol="0" anchor="ctr"/>
+          <a:lstStyle/>
+          <a:p>
+            <a:pPr algn="ctr"/>
+            <a:endParaRPr lang="tr-TR"/>
+          </a:p>
+        </p:txBody>
+      </p:sp>
+      <p:sp>
+        <p:nvSpPr>
+          <p:cNvPr id="9" name="Aşağı Ok 8"/>
+          <p:cNvSpPr/>
+          <p:nvPr/>
+        </p:nvSpPr>
+        <p:spPr>
+          <a:xfrm>
+            <a:off x="5652120" y="3908867"/>
+            <a:ext cx="792088" cy="1468464"/>
+          </a:xfrm>
+          <a:prstGeom prst="downArrow">
+            <a:avLst/>
+          </a:prstGeom>
+          <a:noFill/>
+          <a:ln w="57150">
+            <a:solidFill>
+              <a:srgbClr val="7030A0"/>
+            </a:solidFill>
+          </a:ln>
+        </p:spPr>
+        <p:style>
+          <a:lnRef idx="2">
+            <a:schemeClr val="accent1">
+              <a:shade val="50000"/>
+            </a:schemeClr>
+          </a:lnRef>
+          <a:fillRef idx="1">
+            <a:schemeClr val="accent1"/>
+          </a:fillRef>
+          <a:effectRef idx="0">
+            <a:schemeClr val="accent1"/>
+          </a:effectRef>
+          <a:fontRef idx="minor">
+            <a:schemeClr val="lt1"/>
+          </a:fontRef>
+        </p:style>
+        <p:txBody>
+          <a:bodyPr rtlCol="0" anchor="ctr"/>
+          <a:lstStyle/>
+          <a:p>
+            <a:pPr algn="ctr"/>
+            <a:endParaRPr lang="tr-TR"/>
+          </a:p>
+        </p:txBody>
+      </p:sp>
+      <p:sp>
+        <p:nvSpPr>
+          <p:cNvPr id="5" name="Metin kutusu 4"/>
+          <p:cNvSpPr txBox="1"/>
+          <p:nvPr/>
+        </p:nvSpPr>
+        <p:spPr>
+          <a:xfrm>
+            <a:off x="3995936" y="3812095"/>
+            <a:ext cx="144016" cy="1569660"/>
+          </a:xfrm>
+          <a:prstGeom prst="rect">
+            <a:avLst/>
+          </a:prstGeom>
+          <a:noFill/>
+        </p:spPr>
+        <p:txBody>
+          <a:bodyPr wrap="square" rtlCol="0">
+            <a:spAutoFit/>
+          </a:bodyPr>
+          <a:lstStyle/>
+          <a:p>
+            <a:r>
+              <a:rPr lang="tr-TR" sz="9600" b="1" dirty="0" smtClean="0">
+                <a:solidFill>
+                  <a:srgbClr val="C00000"/>
+                </a:solidFill>
+              </a:rPr>
+              <a:t>?</a:t>
+            </a:r>
+            <a:endParaRPr lang="tr-TR" sz="9600" b="1" dirty="0">
+              <a:solidFill>
+                <a:srgbClr val="C00000"/>
+              </a:solidFill>
+            </a:endParaRPr>
+          </a:p>
+        </p:txBody>
+      </p:sp>
+    </p:spTree>
+    <p:extLst>
+      <p:ext uri="{BB962C8B-B14F-4D97-AF65-F5344CB8AC3E}">
+        <p14:creationId xmlns:p14="http://schemas.microsoft.com/office/powerpoint/2010/main" val="52229366"/>
+      </p:ext>
+    </p:extLst>
+  </p:cSld>
+  <p:clrMapOvr>
+    <a:masterClrMapping/>
+  </p:clrMapOvr>
+</p:sld>
+</file>
+
+<file path=ppt/slides/slide23.xml><?xml version="1.0" encoding="utf-8"?>
+<p:sld xmlns:a="http://schemas.openxmlformats.org/drawingml/2006/main" xmlns:r="http://schemas.openxmlformats.org/officeDocument/2006/relationships" xmlns:p="http://schemas.openxmlformats.org/presentationml/2006/main">
+  <p:cSld>
+    <p:spTree>
+      <p:nvGrpSpPr>
+        <p:cNvPr id="1" name=""/>
+        <p:cNvGrpSpPr/>
+        <p:nvPr/>
+      </p:nvGrpSpPr>
+      <p:grpSpPr>
+        <a:xfrm>
+          <a:off x="0" y="0"/>
+          <a:ext cx="0" cy="0"/>
+          <a:chOff x="0" y="0"/>
+          <a:chExt cx="0" cy="0"/>
+        </a:xfrm>
+      </p:grpSpPr>
+      <p:sp>
+        <p:nvSpPr>
+          <p:cNvPr id="2" name="Başlık 1"/>
+          <p:cNvSpPr>
+            <a:spLocks noGrp="1"/>
+          </p:cNvSpPr>
+          <p:nvPr>
+            <p:ph type="title"/>
+          </p:nvPr>
+        </p:nvSpPr>
+        <p:spPr/>
+        <p:txBody>
+          <a:bodyPr>
+            <a:normAutofit fontScale="90000"/>
+          </a:bodyPr>
+          <a:lstStyle/>
+          <a:p>
+            <a:r>
+              <a:rPr lang="tr-TR" dirty="0" err="1" smtClean="0"/>
+              <a:t>Görünüm'e</a:t>
+            </a:r>
+            <a:r>
+              <a:rPr lang="tr-TR" dirty="0" smtClean="0"/>
+              <a:t> (</a:t>
+            </a:r>
+            <a:r>
+              <a:rPr lang="tr-TR" b="1" dirty="0" err="1" smtClean="0"/>
+              <a:t>View</a:t>
+            </a:r>
+            <a:r>
+              <a:rPr lang="tr-TR" dirty="0" smtClean="0"/>
+              <a:t>)</a:t>
+            </a:r>
+            <a:br>
+              <a:rPr lang="tr-TR" dirty="0" smtClean="0"/>
+            </a:br>
+            <a:r>
+              <a:rPr lang="tr-TR" sz="4000" dirty="0" smtClean="0"/>
+              <a:t>birden fazla </a:t>
+            </a:r>
+            <a:r>
+              <a:rPr lang="tr-TR" sz="4000" b="1" dirty="0" smtClean="0"/>
+              <a:t>sıkı </a:t>
+            </a:r>
+            <a:r>
+              <a:rPr lang="tr-TR" sz="4000" b="1" dirty="0" err="1" smtClean="0"/>
+              <a:t>tiplendirilmiş</a:t>
+            </a:r>
+            <a:r>
+              <a:rPr lang="tr-TR" sz="4000" dirty="0" smtClean="0"/>
+              <a:t> veri </a:t>
+            </a:r>
+            <a:r>
+              <a:rPr lang="tr-TR" sz="4000" dirty="0" smtClean="0"/>
+              <a:t>aktarımı</a:t>
+            </a:r>
+            <a:endParaRPr lang="tr-TR" sz="4000" dirty="0"/>
+          </a:p>
+        </p:txBody>
+      </p:sp>
+      <p:sp>
+        <p:nvSpPr>
+          <p:cNvPr id="3" name="İçerik Yer Tutucusu 2"/>
+          <p:cNvSpPr>
+            <a:spLocks noGrp="1"/>
+          </p:cNvSpPr>
+          <p:nvPr>
+            <p:ph idx="1"/>
+          </p:nvPr>
+        </p:nvSpPr>
+        <p:spPr/>
+        <p:txBody>
+          <a:bodyPr>
+            <a:normAutofit/>
+          </a:bodyPr>
+          <a:lstStyle/>
+          <a:p>
+            <a:pPr marL="0" indent="0">
+              <a:buNone/>
+            </a:pPr>
+            <a:r>
+              <a:rPr lang="tr-TR" sz="6600" dirty="0" smtClean="0">
+                <a:solidFill>
+                  <a:srgbClr val="00B050"/>
+                </a:solidFill>
+              </a:rPr>
+              <a:t>@model  </a:t>
+            </a:r>
+          </a:p>
+        </p:txBody>
+      </p:sp>
+      <p:sp>
+        <p:nvSpPr>
+          <p:cNvPr id="6" name="İçerik Yer Tutucusu 3"/>
+          <p:cNvSpPr txBox="1">
+            <a:spLocks/>
+          </p:cNvSpPr>
+          <p:nvPr/>
+        </p:nvSpPr>
+        <p:spPr>
+          <a:xfrm>
+            <a:off x="0" y="2695025"/>
+            <a:ext cx="9144000" cy="1791260"/>
+          </a:xfrm>
+          <a:prstGeom prst="rect">
+            <a:avLst/>
+          </a:prstGeom>
+          <a:noFill/>
+        </p:spPr>
+        <p:txBody>
+          <a:bodyPr vert="horz" wrap="square" lIns="91440" tIns="45720" rIns="91440" bIns="45720" rtlCol="0">
+            <a:spAutoFit/>
+          </a:bodyPr>
+          <a:lstStyle>
+            <a:lvl1pPr marL="342900" indent="-342900" algn="l" defTabSz="914400" rtl="0" eaLnBrk="1" latinLnBrk="0" hangingPunct="1">
+              <a:spcBef>
+                <a:spcPct val="20000"/>
+              </a:spcBef>
+              <a:buFont typeface="Arial" panose="020B0604020202020204" pitchFamily="34" charset="0"/>
+              <a:buChar char="•"/>
+              <a:defRPr sz="3200" kern="1200">
+                <a:solidFill>
+                  <a:schemeClr val="tx1"/>
+                </a:solidFill>
+                <a:latin typeface="+mn-lt"/>
+                <a:ea typeface="+mn-ea"/>
+                <a:cs typeface="+mn-cs"/>
+              </a:defRPr>
+            </a:lvl1pPr>
+            <a:lvl2pPr marL="742950" indent="-285750" algn="l" defTabSz="914400" rtl="0" eaLnBrk="1" latinLnBrk="0" hangingPunct="1">
+              <a:spcBef>
+                <a:spcPct val="20000"/>
+              </a:spcBef>
+              <a:buFont typeface="Arial" panose="020B0604020202020204" pitchFamily="34" charset="0"/>
+              <a:buChar char="–"/>
+              <a:defRPr sz="2800" kern="1200">
+                <a:solidFill>
+                  <a:schemeClr val="tx1"/>
+                </a:solidFill>
+                <a:latin typeface="+mn-lt"/>
+                <a:ea typeface="+mn-ea"/>
+                <a:cs typeface="+mn-cs"/>
+              </a:defRPr>
+            </a:lvl2pPr>
+            <a:lvl3pPr marL="1143000" indent="-228600" algn="l" defTabSz="914400" rtl="0" eaLnBrk="1" latinLnBrk="0" hangingPunct="1">
+              <a:spcBef>
+                <a:spcPct val="20000"/>
+              </a:spcBef>
+              <a:buFont typeface="Arial" panose="020B0604020202020204" pitchFamily="34" charset="0"/>
+              <a:buChar char="•"/>
+              <a:defRPr sz="2400" kern="1200">
+                <a:solidFill>
+                  <a:schemeClr val="tx1"/>
+                </a:solidFill>
+                <a:latin typeface="+mn-lt"/>
+                <a:ea typeface="+mn-ea"/>
+                <a:cs typeface="+mn-cs"/>
+              </a:defRPr>
+            </a:lvl3pPr>
+            <a:lvl4pPr marL="1600200" indent="-228600" algn="l" defTabSz="914400" rtl="0" eaLnBrk="1" latinLnBrk="0" hangingPunct="1">
+              <a:spcBef>
+                <a:spcPct val="20000"/>
+              </a:spcBef>
+              <a:buFont typeface="Arial" panose="020B0604020202020204" pitchFamily="34" charset="0"/>
+              <a:buChar char="–"/>
+              <a:defRPr sz="2000" kern="1200">
+                <a:solidFill>
+                  <a:schemeClr val="tx1"/>
+                </a:solidFill>
+                <a:latin typeface="+mn-lt"/>
+                <a:ea typeface="+mn-ea"/>
+                <a:cs typeface="+mn-cs"/>
+              </a:defRPr>
+            </a:lvl4pPr>
+            <a:lvl5pPr marL="2057400" indent="-228600" algn="l" defTabSz="914400" rtl="0" eaLnBrk="1" latinLnBrk="0" hangingPunct="1">
+              <a:spcBef>
+                <a:spcPct val="20000"/>
+              </a:spcBef>
+              <a:buFont typeface="Arial" panose="020B0604020202020204" pitchFamily="34" charset="0"/>
+              <a:buChar char="»"/>
+              <a:defRPr sz="2000" kern="1200">
+                <a:solidFill>
+                  <a:schemeClr val="tx1"/>
+                </a:solidFill>
+                <a:latin typeface="+mn-lt"/>
+                <a:ea typeface="+mn-ea"/>
+                <a:cs typeface="+mn-cs"/>
+              </a:defRPr>
+            </a:lvl5pPr>
+            <a:lvl6pPr marL="2514600" indent="-228600" algn="l" defTabSz="914400" rtl="0" eaLnBrk="1" latinLnBrk="0" hangingPunct="1">
+              <a:spcBef>
+                <a:spcPct val="20000"/>
+              </a:spcBef>
+              <a:buFont typeface="Arial" panose="020B0604020202020204" pitchFamily="34" charset="0"/>
+              <a:buChar char="•"/>
+              <a:defRPr sz="2000" kern="1200">
+                <a:solidFill>
+                  <a:schemeClr val="tx1"/>
+                </a:solidFill>
+                <a:latin typeface="+mn-lt"/>
+                <a:ea typeface="+mn-ea"/>
+                <a:cs typeface="+mn-cs"/>
+              </a:defRPr>
+            </a:lvl6pPr>
+            <a:lvl7pPr marL="2971800" indent="-228600" algn="l" defTabSz="914400" rtl="0" eaLnBrk="1" latinLnBrk="0" hangingPunct="1">
+              <a:spcBef>
+                <a:spcPct val="20000"/>
+              </a:spcBef>
+              <a:buFont typeface="Arial" panose="020B0604020202020204" pitchFamily="34" charset="0"/>
+              <a:buChar char="•"/>
+              <a:defRPr sz="2000" kern="1200">
+                <a:solidFill>
+                  <a:schemeClr val="tx1"/>
+                </a:solidFill>
+                <a:latin typeface="+mn-lt"/>
+                <a:ea typeface="+mn-ea"/>
+                <a:cs typeface="+mn-cs"/>
+              </a:defRPr>
+            </a:lvl7pPr>
+            <a:lvl8pPr marL="3429000" indent="-228600" algn="l" defTabSz="914400" rtl="0" eaLnBrk="1" latinLnBrk="0" hangingPunct="1">
+              <a:spcBef>
+                <a:spcPct val="20000"/>
+              </a:spcBef>
+              <a:buFont typeface="Arial" panose="020B0604020202020204" pitchFamily="34" charset="0"/>
+              <a:buChar char="•"/>
+              <a:defRPr sz="2000" kern="1200">
+                <a:solidFill>
+                  <a:schemeClr val="tx1"/>
+                </a:solidFill>
+                <a:latin typeface="+mn-lt"/>
+                <a:ea typeface="+mn-ea"/>
+                <a:cs typeface="+mn-cs"/>
+              </a:defRPr>
+            </a:lvl8pPr>
+            <a:lvl9pPr marL="3886200" indent="-228600" algn="l" defTabSz="914400" rtl="0" eaLnBrk="1" latinLnBrk="0" hangingPunct="1">
+              <a:spcBef>
+                <a:spcPct val="20000"/>
+              </a:spcBef>
+              <a:buFont typeface="Arial" panose="020B0604020202020204" pitchFamily="34" charset="0"/>
+              <a:buChar char="•"/>
+              <a:defRPr sz="2000" kern="1200">
+                <a:solidFill>
+                  <a:schemeClr val="tx1"/>
+                </a:solidFill>
+                <a:latin typeface="+mn-lt"/>
+                <a:ea typeface="+mn-ea"/>
+                <a:cs typeface="+mn-cs"/>
+              </a:defRPr>
+            </a:lvl9pPr>
+          </a:lstStyle>
+          <a:p>
+            <a:pPr marL="0" indent="0">
+              <a:buNone/>
+            </a:pPr>
+            <a:r>
+              <a:rPr lang="tr-TR" sz="2400" dirty="0" err="1" smtClean="0">
+                <a:solidFill>
+                  <a:srgbClr val="0070C0"/>
+                </a:solidFill>
+                <a:latin typeface="Consolas" panose="020B0609020204030204" pitchFamily="49" charset="0"/>
+                <a:cs typeface="Consolas" panose="020B0609020204030204" pitchFamily="49" charset="0"/>
+              </a:rPr>
+              <a:t>new</a:t>
+            </a:r>
+            <a:r>
+              <a:rPr lang="tr-TR" sz="2400" dirty="0" smtClean="0">
+                <a:solidFill>
+                  <a:srgbClr val="0070C0"/>
+                </a:solidFill>
+                <a:latin typeface="Consolas" panose="020B0609020204030204" pitchFamily="49" charset="0"/>
+                <a:cs typeface="Consolas" panose="020B0609020204030204" pitchFamily="49" charset="0"/>
+              </a:rPr>
+              <a:t> </a:t>
+            </a:r>
+            <a:r>
+              <a:rPr lang="tr-TR" sz="2400" dirty="0" err="1" smtClean="0">
+                <a:solidFill>
+                  <a:srgbClr val="0070C0"/>
+                </a:solidFill>
+                <a:latin typeface="Consolas" panose="020B0609020204030204" pitchFamily="49" charset="0"/>
+                <a:cs typeface="Consolas" panose="020B0609020204030204" pitchFamily="49" charset="0"/>
+              </a:rPr>
+              <a:t>ListModel</a:t>
+            </a:r>
+            <a:r>
+              <a:rPr lang="tr-TR" sz="2400" dirty="0" smtClean="0">
+                <a:solidFill>
+                  <a:srgbClr val="0070C0"/>
+                </a:solidFill>
+                <a:latin typeface="Consolas" panose="020B0609020204030204" pitchFamily="49" charset="0"/>
+                <a:cs typeface="Consolas" panose="020B0609020204030204" pitchFamily="49" charset="0"/>
+              </a:rPr>
+              <a:t> </a:t>
+            </a:r>
+            <a:r>
+              <a:rPr lang="tr-TR" sz="2400" dirty="0" smtClean="0">
+                <a:latin typeface="Consolas" panose="020B0609020204030204" pitchFamily="49" charset="0"/>
+                <a:cs typeface="Consolas" panose="020B0609020204030204" pitchFamily="49" charset="0"/>
+              </a:rPr>
+              <a:t>{</a:t>
+            </a:r>
+            <a:r>
+              <a:rPr lang="tr-TR" sz="2400" dirty="0" smtClean="0">
+                <a:solidFill>
+                  <a:srgbClr val="0070C0"/>
+                </a:solidFill>
+                <a:latin typeface="Consolas" panose="020B0609020204030204" pitchFamily="49" charset="0"/>
+                <a:cs typeface="Consolas" panose="020B0609020204030204" pitchFamily="49" charset="0"/>
+              </a:rPr>
+              <a:t> </a:t>
+            </a:r>
+          </a:p>
+          <a:p>
+            <a:pPr marL="0" indent="0">
+              <a:buNone/>
+            </a:pPr>
+            <a:r>
+              <a:rPr lang="tr-TR" sz="2400" dirty="0" smtClean="0">
+                <a:solidFill>
+                  <a:srgbClr val="0070C0"/>
+                </a:solidFill>
+                <a:latin typeface="Consolas" panose="020B0609020204030204" pitchFamily="49" charset="0"/>
+                <a:cs typeface="Consolas" panose="020B0609020204030204" pitchFamily="49" charset="0"/>
+              </a:rPr>
+              <a:t>  </a:t>
+            </a:r>
+            <a:r>
+              <a:rPr lang="tr-TR" sz="2400" dirty="0" err="1" smtClean="0">
+                <a:solidFill>
+                  <a:srgbClr val="0070C0"/>
+                </a:solidFill>
+                <a:latin typeface="Consolas" panose="020B0609020204030204" pitchFamily="49" charset="0"/>
+                <a:cs typeface="Consolas" panose="020B0609020204030204" pitchFamily="49" charset="0"/>
+              </a:rPr>
+              <a:t>Person</a:t>
+            </a:r>
+            <a:r>
+              <a:rPr lang="tr-TR" sz="2400" dirty="0" smtClean="0">
+                <a:solidFill>
+                  <a:srgbClr val="0070C0"/>
+                </a:solidFill>
+                <a:latin typeface="Consolas" panose="020B0609020204030204" pitchFamily="49" charset="0"/>
+                <a:cs typeface="Consolas" panose="020B0609020204030204" pitchFamily="49" charset="0"/>
+              </a:rPr>
+              <a:t>  = </a:t>
+            </a:r>
+            <a:r>
+              <a:rPr lang="tr-TR" sz="2400" dirty="0" err="1" smtClean="0">
+                <a:solidFill>
+                  <a:srgbClr val="0070C0"/>
+                </a:solidFill>
+                <a:latin typeface="Consolas" panose="020B0609020204030204" pitchFamily="49" charset="0"/>
+                <a:cs typeface="Consolas" panose="020B0609020204030204" pitchFamily="49" charset="0"/>
+              </a:rPr>
+              <a:t>new</a:t>
+            </a:r>
+            <a:r>
+              <a:rPr lang="tr-TR" sz="2400" dirty="0" smtClean="0">
+                <a:solidFill>
+                  <a:srgbClr val="0070C0"/>
+                </a:solidFill>
+                <a:latin typeface="Consolas" panose="020B0609020204030204" pitchFamily="49" charset="0"/>
+                <a:cs typeface="Consolas" panose="020B0609020204030204" pitchFamily="49" charset="0"/>
+              </a:rPr>
+              <a:t> </a:t>
+            </a:r>
+            <a:r>
+              <a:rPr lang="tr-TR" sz="2400" dirty="0" err="1" smtClean="0">
+                <a:solidFill>
+                  <a:srgbClr val="00B0F0"/>
+                </a:solidFill>
+                <a:latin typeface="Consolas" panose="020B0609020204030204" pitchFamily="49" charset="0"/>
+                <a:cs typeface="Consolas" panose="020B0609020204030204" pitchFamily="49" charset="0"/>
+              </a:rPr>
+              <a:t>Person</a:t>
+            </a:r>
+            <a:r>
+              <a:rPr lang="tr-TR" sz="2400" dirty="0" smtClean="0">
+                <a:latin typeface="Consolas" panose="020B0609020204030204" pitchFamily="49" charset="0"/>
+                <a:cs typeface="Consolas" panose="020B0609020204030204" pitchFamily="49" charset="0"/>
+              </a:rPr>
+              <a:t>{ Name=</a:t>
+            </a:r>
+            <a:r>
+              <a:rPr lang="tr-TR" sz="2400" dirty="0" smtClean="0">
+                <a:solidFill>
+                  <a:schemeClr val="accent2">
+                    <a:lumMod val="75000"/>
+                  </a:schemeClr>
+                </a:solidFill>
+                <a:latin typeface="Consolas" panose="020B0609020204030204" pitchFamily="49" charset="0"/>
+                <a:cs typeface="Consolas" panose="020B0609020204030204" pitchFamily="49" charset="0"/>
+              </a:rPr>
+              <a:t>"ali"</a:t>
+            </a:r>
+            <a:r>
+              <a:rPr lang="tr-TR" sz="2400" dirty="0" smtClean="0">
+                <a:latin typeface="Consolas" panose="020B0609020204030204" pitchFamily="49" charset="0"/>
+                <a:cs typeface="Consolas" panose="020B0609020204030204" pitchFamily="49" charset="0"/>
+              </a:rPr>
+              <a:t> Age =</a:t>
+            </a:r>
+            <a:r>
+              <a:rPr lang="tr-TR" sz="2400" dirty="0" smtClean="0">
+                <a:solidFill>
+                  <a:schemeClr val="accent2">
+                    <a:lumMod val="75000"/>
+                  </a:schemeClr>
+                </a:solidFill>
+                <a:latin typeface="Consolas" panose="020B0609020204030204" pitchFamily="49" charset="0"/>
+                <a:cs typeface="Consolas" panose="020B0609020204030204" pitchFamily="49" charset="0"/>
+              </a:rPr>
+              <a:t>12</a:t>
+            </a:r>
+            <a:r>
+              <a:rPr lang="tr-TR" sz="2400" dirty="0" smtClean="0">
+                <a:latin typeface="Consolas" panose="020B0609020204030204" pitchFamily="49" charset="0"/>
+                <a:cs typeface="Consolas" panose="020B0609020204030204" pitchFamily="49" charset="0"/>
+              </a:rPr>
+              <a:t> </a:t>
+            </a:r>
+            <a:r>
+              <a:rPr lang="tr-TR" sz="2400" dirty="0" smtClean="0">
+                <a:latin typeface="Consolas" panose="020B0609020204030204" pitchFamily="49" charset="0"/>
+                <a:cs typeface="Consolas" panose="020B0609020204030204" pitchFamily="49" charset="0"/>
+              </a:rPr>
+              <a:t>},</a:t>
+            </a:r>
+          </a:p>
+          <a:p>
+            <a:pPr marL="0" indent="0">
+              <a:buNone/>
+            </a:pPr>
+            <a:r>
+              <a:rPr lang="tr-TR" sz="2400" dirty="0" smtClean="0">
+                <a:solidFill>
+                  <a:srgbClr val="0070C0"/>
+                </a:solidFill>
+                <a:latin typeface="Consolas" panose="020B0609020204030204" pitchFamily="49" charset="0"/>
+                <a:cs typeface="Consolas" panose="020B0609020204030204" pitchFamily="49" charset="0"/>
+              </a:rPr>
+              <a:t>  </a:t>
+            </a:r>
+            <a:r>
+              <a:rPr lang="tr-TR" sz="2400" dirty="0" err="1" smtClean="0">
+                <a:solidFill>
+                  <a:srgbClr val="0070C0"/>
+                </a:solidFill>
+                <a:latin typeface="Consolas" panose="020B0609020204030204" pitchFamily="49" charset="0"/>
+                <a:cs typeface="Consolas" panose="020B0609020204030204" pitchFamily="49" charset="0"/>
+              </a:rPr>
+              <a:t>Address</a:t>
+            </a:r>
+            <a:r>
+              <a:rPr lang="tr-TR" sz="2400" dirty="0" smtClean="0">
+                <a:solidFill>
+                  <a:srgbClr val="0070C0"/>
+                </a:solidFill>
+                <a:latin typeface="Consolas" panose="020B0609020204030204" pitchFamily="49" charset="0"/>
+                <a:cs typeface="Consolas" panose="020B0609020204030204" pitchFamily="49" charset="0"/>
+              </a:rPr>
+              <a:t> = </a:t>
+            </a:r>
+            <a:r>
+              <a:rPr lang="tr-TR" sz="2400" dirty="0" err="1" smtClean="0">
+                <a:solidFill>
+                  <a:srgbClr val="0070C0"/>
+                </a:solidFill>
+                <a:latin typeface="Consolas" panose="020B0609020204030204" pitchFamily="49" charset="0"/>
+                <a:cs typeface="Consolas" panose="020B0609020204030204" pitchFamily="49" charset="0"/>
+              </a:rPr>
+              <a:t>new</a:t>
+            </a:r>
+            <a:r>
+              <a:rPr lang="tr-TR" sz="2400" dirty="0" smtClean="0">
+                <a:solidFill>
+                  <a:srgbClr val="0070C0"/>
+                </a:solidFill>
+                <a:latin typeface="Consolas" panose="020B0609020204030204" pitchFamily="49" charset="0"/>
+                <a:cs typeface="Consolas" panose="020B0609020204030204" pitchFamily="49" charset="0"/>
+              </a:rPr>
+              <a:t> </a:t>
+            </a:r>
+            <a:r>
+              <a:rPr lang="tr-TR" sz="2400" dirty="0" err="1" smtClean="0">
+                <a:solidFill>
+                  <a:srgbClr val="00B0F0"/>
+                </a:solidFill>
+                <a:latin typeface="Consolas" panose="020B0609020204030204" pitchFamily="49" charset="0"/>
+                <a:cs typeface="Consolas" panose="020B0609020204030204" pitchFamily="49" charset="0"/>
+              </a:rPr>
+              <a:t>Address</a:t>
+            </a:r>
+            <a:r>
+              <a:rPr lang="tr-TR" sz="2400" dirty="0" smtClean="0">
+                <a:latin typeface="Consolas" panose="020B0609020204030204" pitchFamily="49" charset="0"/>
+                <a:cs typeface="Consolas" panose="020B0609020204030204" pitchFamily="49" charset="0"/>
+              </a:rPr>
+              <a:t>{ Street=</a:t>
+            </a:r>
+            <a:r>
+              <a:rPr lang="tr-TR" sz="2400" dirty="0" smtClean="0">
+                <a:solidFill>
+                  <a:schemeClr val="accent2">
+                    <a:lumMod val="75000"/>
+                  </a:schemeClr>
+                </a:solidFill>
+                <a:latin typeface="Consolas" panose="020B0609020204030204" pitchFamily="49" charset="0"/>
+                <a:cs typeface="Consolas" panose="020B0609020204030204" pitchFamily="49" charset="0"/>
+              </a:rPr>
+              <a:t>"elma"</a:t>
+            </a:r>
+            <a:r>
+              <a:rPr lang="tr-TR" sz="2400" dirty="0" smtClean="0">
+                <a:latin typeface="Consolas" panose="020B0609020204030204" pitchFamily="49" charset="0"/>
+                <a:cs typeface="Consolas" panose="020B0609020204030204" pitchFamily="49" charset="0"/>
+              </a:rPr>
+              <a:t> </a:t>
+            </a:r>
+            <a:r>
+              <a:rPr lang="tr-TR" sz="2400" dirty="0" err="1" smtClean="0">
+                <a:latin typeface="Consolas" panose="020B0609020204030204" pitchFamily="49" charset="0"/>
+                <a:cs typeface="Consolas" panose="020B0609020204030204" pitchFamily="49" charset="0"/>
+              </a:rPr>
+              <a:t>Zip</a:t>
+            </a:r>
+            <a:r>
+              <a:rPr lang="tr-TR" sz="2400" dirty="0" smtClean="0">
+                <a:latin typeface="Consolas" panose="020B0609020204030204" pitchFamily="49" charset="0"/>
+                <a:cs typeface="Consolas" panose="020B0609020204030204" pitchFamily="49" charset="0"/>
+              </a:rPr>
+              <a:t> = </a:t>
+            </a:r>
+            <a:r>
+              <a:rPr lang="tr-TR" sz="2400" dirty="0" smtClean="0">
+                <a:solidFill>
+                  <a:schemeClr val="accent2">
+                    <a:lumMod val="75000"/>
+                  </a:schemeClr>
+                </a:solidFill>
+                <a:latin typeface="Consolas" panose="020B0609020204030204" pitchFamily="49" charset="0"/>
+                <a:cs typeface="Consolas" panose="020B0609020204030204" pitchFamily="49" charset="0"/>
+              </a:rPr>
+              <a:t>12345</a:t>
+            </a:r>
+            <a:r>
+              <a:rPr lang="tr-TR" sz="2400" dirty="0" smtClean="0">
+                <a:latin typeface="Consolas" panose="020B0609020204030204" pitchFamily="49" charset="0"/>
+                <a:cs typeface="Consolas" panose="020B0609020204030204" pitchFamily="49" charset="0"/>
+              </a:rPr>
+              <a:t> }</a:t>
+            </a:r>
+          </a:p>
+          <a:p>
+            <a:pPr marL="0" indent="0">
+              <a:buNone/>
+            </a:pPr>
+            <a:r>
+              <a:rPr lang="tr-TR" sz="2400" dirty="0">
+                <a:latin typeface="Consolas" panose="020B0609020204030204" pitchFamily="49" charset="0"/>
+                <a:cs typeface="Consolas" panose="020B0609020204030204" pitchFamily="49" charset="0"/>
+              </a:rPr>
+              <a:t>}</a:t>
+            </a:r>
+            <a:endParaRPr lang="tr-TR" sz="2400" dirty="0" smtClean="0">
+              <a:latin typeface="Consolas" panose="020B0609020204030204" pitchFamily="49" charset="0"/>
+              <a:cs typeface="Consolas" panose="020B0609020204030204" pitchFamily="49" charset="0"/>
+            </a:endParaRPr>
+          </a:p>
+        </p:txBody>
+      </p:sp>
+      <p:sp>
+        <p:nvSpPr>
+          <p:cNvPr id="7" name="İçerik Yer Tutucusu 3"/>
+          <p:cNvSpPr txBox="1">
+            <a:spLocks/>
+          </p:cNvSpPr>
+          <p:nvPr/>
+        </p:nvSpPr>
+        <p:spPr>
+          <a:xfrm>
+            <a:off x="154782" y="5238700"/>
+            <a:ext cx="8775848" cy="1274195"/>
+          </a:xfrm>
+          <a:prstGeom prst="rect">
+            <a:avLst/>
+          </a:prstGeom>
+          <a:solidFill>
+            <a:schemeClr val="accent5">
+              <a:lumMod val="20000"/>
+              <a:lumOff val="80000"/>
+            </a:schemeClr>
+          </a:solidFill>
+        </p:spPr>
+        <p:txBody>
+          <a:bodyPr vert="horz" wrap="square" lIns="91440" tIns="45720" rIns="91440" bIns="45720" rtlCol="0">
+            <a:spAutoFit/>
+          </a:bodyPr>
+          <a:lstStyle>
+            <a:lvl1pPr marL="342900" indent="-342900" algn="l" defTabSz="914400" rtl="0" eaLnBrk="1" latinLnBrk="0" hangingPunct="1">
+              <a:spcBef>
+                <a:spcPct val="20000"/>
+              </a:spcBef>
+              <a:buFont typeface="Arial" panose="020B0604020202020204" pitchFamily="34" charset="0"/>
+              <a:buChar char="•"/>
+              <a:defRPr sz="3200" kern="1200">
+                <a:solidFill>
+                  <a:schemeClr val="tx1"/>
+                </a:solidFill>
+                <a:latin typeface="+mn-lt"/>
+                <a:ea typeface="+mn-ea"/>
+                <a:cs typeface="+mn-cs"/>
+              </a:defRPr>
+            </a:lvl1pPr>
+            <a:lvl2pPr marL="742950" indent="-285750" algn="l" defTabSz="914400" rtl="0" eaLnBrk="1" latinLnBrk="0" hangingPunct="1">
+              <a:spcBef>
+                <a:spcPct val="20000"/>
+              </a:spcBef>
+              <a:buFont typeface="Arial" panose="020B0604020202020204" pitchFamily="34" charset="0"/>
+              <a:buChar char="–"/>
+              <a:defRPr sz="2800" kern="1200">
+                <a:solidFill>
+                  <a:schemeClr val="tx1"/>
+                </a:solidFill>
+                <a:latin typeface="+mn-lt"/>
+                <a:ea typeface="+mn-ea"/>
+                <a:cs typeface="+mn-cs"/>
+              </a:defRPr>
+            </a:lvl2pPr>
+            <a:lvl3pPr marL="1143000" indent="-228600" algn="l" defTabSz="914400" rtl="0" eaLnBrk="1" latinLnBrk="0" hangingPunct="1">
+              <a:spcBef>
+                <a:spcPct val="20000"/>
+              </a:spcBef>
+              <a:buFont typeface="Arial" panose="020B0604020202020204" pitchFamily="34" charset="0"/>
+              <a:buChar char="•"/>
+              <a:defRPr sz="2400" kern="1200">
+                <a:solidFill>
+                  <a:schemeClr val="tx1"/>
+                </a:solidFill>
+                <a:latin typeface="+mn-lt"/>
+                <a:ea typeface="+mn-ea"/>
+                <a:cs typeface="+mn-cs"/>
+              </a:defRPr>
+            </a:lvl3pPr>
+            <a:lvl4pPr marL="1600200" indent="-228600" algn="l" defTabSz="914400" rtl="0" eaLnBrk="1" latinLnBrk="0" hangingPunct="1">
+              <a:spcBef>
+                <a:spcPct val="20000"/>
+              </a:spcBef>
+              <a:buFont typeface="Arial" panose="020B0604020202020204" pitchFamily="34" charset="0"/>
+              <a:buChar char="–"/>
+              <a:defRPr sz="2000" kern="1200">
+                <a:solidFill>
+                  <a:schemeClr val="tx1"/>
+                </a:solidFill>
+                <a:latin typeface="+mn-lt"/>
+                <a:ea typeface="+mn-ea"/>
+                <a:cs typeface="+mn-cs"/>
+              </a:defRPr>
+            </a:lvl4pPr>
+            <a:lvl5pPr marL="2057400" indent="-228600" algn="l" defTabSz="914400" rtl="0" eaLnBrk="1" latinLnBrk="0" hangingPunct="1">
+              <a:spcBef>
+                <a:spcPct val="20000"/>
+              </a:spcBef>
+              <a:buFont typeface="Arial" panose="020B0604020202020204" pitchFamily="34" charset="0"/>
+              <a:buChar char="»"/>
+              <a:defRPr sz="2000" kern="1200">
+                <a:solidFill>
+                  <a:schemeClr val="tx1"/>
+                </a:solidFill>
+                <a:latin typeface="+mn-lt"/>
+                <a:ea typeface="+mn-ea"/>
+                <a:cs typeface="+mn-cs"/>
+              </a:defRPr>
+            </a:lvl5pPr>
+            <a:lvl6pPr marL="2514600" indent="-228600" algn="l" defTabSz="914400" rtl="0" eaLnBrk="1" latinLnBrk="0" hangingPunct="1">
+              <a:spcBef>
+                <a:spcPct val="20000"/>
+              </a:spcBef>
+              <a:buFont typeface="Arial" panose="020B0604020202020204" pitchFamily="34" charset="0"/>
+              <a:buChar char="•"/>
+              <a:defRPr sz="2000" kern="1200">
+                <a:solidFill>
+                  <a:schemeClr val="tx1"/>
+                </a:solidFill>
+                <a:latin typeface="+mn-lt"/>
+                <a:ea typeface="+mn-ea"/>
+                <a:cs typeface="+mn-cs"/>
+              </a:defRPr>
+            </a:lvl6pPr>
+            <a:lvl7pPr marL="2971800" indent="-228600" algn="l" defTabSz="914400" rtl="0" eaLnBrk="1" latinLnBrk="0" hangingPunct="1">
+              <a:spcBef>
+                <a:spcPct val="20000"/>
+              </a:spcBef>
+              <a:buFont typeface="Arial" panose="020B0604020202020204" pitchFamily="34" charset="0"/>
+              <a:buChar char="•"/>
+              <a:defRPr sz="2000" kern="1200">
+                <a:solidFill>
+                  <a:schemeClr val="tx1"/>
+                </a:solidFill>
+                <a:latin typeface="+mn-lt"/>
+                <a:ea typeface="+mn-ea"/>
+                <a:cs typeface="+mn-cs"/>
+              </a:defRPr>
+            </a:lvl7pPr>
+            <a:lvl8pPr marL="3429000" indent="-228600" algn="l" defTabSz="914400" rtl="0" eaLnBrk="1" latinLnBrk="0" hangingPunct="1">
+              <a:spcBef>
+                <a:spcPct val="20000"/>
+              </a:spcBef>
+              <a:buFont typeface="Arial" panose="020B0604020202020204" pitchFamily="34" charset="0"/>
+              <a:buChar char="•"/>
+              <a:defRPr sz="2000" kern="1200">
+                <a:solidFill>
+                  <a:schemeClr val="tx1"/>
+                </a:solidFill>
+                <a:latin typeface="+mn-lt"/>
+                <a:ea typeface="+mn-ea"/>
+                <a:cs typeface="+mn-cs"/>
+              </a:defRPr>
+            </a:lvl8pPr>
+            <a:lvl9pPr marL="3886200" indent="-228600" algn="l" defTabSz="914400" rtl="0" eaLnBrk="1" latinLnBrk="0" hangingPunct="1">
+              <a:spcBef>
+                <a:spcPct val="20000"/>
+              </a:spcBef>
+              <a:buFont typeface="Arial" panose="020B0604020202020204" pitchFamily="34" charset="0"/>
+              <a:buChar char="•"/>
+              <a:defRPr sz="2000" kern="1200">
+                <a:solidFill>
+                  <a:schemeClr val="tx1"/>
+                </a:solidFill>
+                <a:latin typeface="+mn-lt"/>
+                <a:ea typeface="+mn-ea"/>
+                <a:cs typeface="+mn-cs"/>
+              </a:defRPr>
+            </a:lvl9pPr>
+          </a:lstStyle>
+          <a:p>
+            <a:pPr marL="0" indent="0">
+              <a:buNone/>
+            </a:pPr>
+            <a:r>
+              <a:rPr lang="tr-TR" sz="3600" dirty="0" smtClean="0">
+                <a:solidFill>
+                  <a:schemeClr val="accent6">
+                    <a:lumMod val="75000"/>
+                  </a:schemeClr>
+                </a:solidFill>
+                <a:latin typeface="Consolas" panose="020B0609020204030204" pitchFamily="49" charset="0"/>
+                <a:cs typeface="Consolas" panose="020B0609020204030204" pitchFamily="49" charset="0"/>
+              </a:rPr>
+              <a:t>@model </a:t>
+            </a:r>
+            <a:r>
+              <a:rPr lang="tr-TR" sz="3600" dirty="0" err="1" smtClean="0">
+                <a:solidFill>
+                  <a:srgbClr val="FF0000"/>
+                </a:solidFill>
+                <a:latin typeface="Consolas" panose="020B0609020204030204" pitchFamily="49" charset="0"/>
+                <a:cs typeface="Consolas" panose="020B0609020204030204" pitchFamily="49" charset="0"/>
+              </a:rPr>
+              <a:t>ListModel</a:t>
+            </a:r>
+            <a:endParaRPr lang="tr-TR" sz="3600" dirty="0" smtClean="0">
+              <a:solidFill>
+                <a:srgbClr val="FF0000"/>
+              </a:solidFill>
+              <a:latin typeface="Consolas" panose="020B0609020204030204" pitchFamily="49" charset="0"/>
+              <a:cs typeface="Consolas" panose="020B0609020204030204" pitchFamily="49" charset="0"/>
+            </a:endParaRPr>
+          </a:p>
+          <a:p>
+            <a:pPr marL="0" indent="0">
+              <a:buNone/>
+            </a:pPr>
+            <a:r>
+              <a:rPr lang="en-US" sz="3400" dirty="0" smtClean="0">
+                <a:solidFill>
+                  <a:srgbClr val="0070C0"/>
+                </a:solidFill>
+                <a:latin typeface="Consolas" panose="020B0609020204030204" pitchFamily="49" charset="0"/>
+                <a:cs typeface="Consolas" panose="020B0609020204030204" pitchFamily="49" charset="0"/>
+              </a:rPr>
+              <a:t>&lt;</a:t>
+            </a:r>
+            <a:r>
+              <a:rPr lang="tr-TR" sz="3400" dirty="0" err="1" smtClean="0">
+                <a:solidFill>
+                  <a:schemeClr val="accent2">
+                    <a:lumMod val="50000"/>
+                  </a:schemeClr>
+                </a:solidFill>
+                <a:latin typeface="Consolas" panose="020B0609020204030204" pitchFamily="49" charset="0"/>
+                <a:cs typeface="Consolas" panose="020B0609020204030204" pitchFamily="49" charset="0"/>
+              </a:rPr>
+              <a:t>strong</a:t>
+            </a:r>
+            <a:r>
+              <a:rPr lang="tr-TR" sz="3400" dirty="0" smtClean="0">
+                <a:solidFill>
+                  <a:srgbClr val="0070C0"/>
+                </a:solidFill>
+                <a:latin typeface="Consolas" panose="020B0609020204030204" pitchFamily="49" charset="0"/>
+                <a:cs typeface="Consolas" panose="020B0609020204030204" pitchFamily="49" charset="0"/>
+              </a:rPr>
+              <a:t>&gt; </a:t>
+            </a:r>
+            <a:r>
+              <a:rPr lang="tr-TR" sz="3400" dirty="0">
+                <a:solidFill>
+                  <a:schemeClr val="accent6">
+                    <a:lumMod val="75000"/>
+                  </a:schemeClr>
+                </a:solidFill>
+                <a:latin typeface="Consolas" panose="020B0609020204030204" pitchFamily="49" charset="0"/>
+                <a:cs typeface="Consolas" panose="020B0609020204030204" pitchFamily="49" charset="0"/>
+              </a:rPr>
+              <a:t>@</a:t>
+            </a:r>
+            <a:r>
+              <a:rPr lang="tr-TR" sz="3400" dirty="0" err="1" smtClean="0">
+                <a:latin typeface="Consolas" panose="020B0609020204030204" pitchFamily="49" charset="0"/>
+                <a:cs typeface="Consolas" panose="020B0609020204030204" pitchFamily="49" charset="0"/>
+              </a:rPr>
+              <a:t>Model.Person.Name</a:t>
+            </a:r>
+            <a:r>
+              <a:rPr lang="en-US" sz="3400" dirty="0" smtClean="0">
+                <a:solidFill>
+                  <a:srgbClr val="0070C0"/>
+                </a:solidFill>
+                <a:latin typeface="Consolas" panose="020B0609020204030204" pitchFamily="49" charset="0"/>
+                <a:cs typeface="Consolas" panose="020B0609020204030204" pitchFamily="49" charset="0"/>
+              </a:rPr>
+              <a:t>&lt;</a:t>
+            </a:r>
+            <a:r>
+              <a:rPr lang="tr-TR" sz="3400" dirty="0" err="1" smtClean="0">
+                <a:solidFill>
+                  <a:schemeClr val="accent2">
+                    <a:lumMod val="50000"/>
+                  </a:schemeClr>
+                </a:solidFill>
+                <a:latin typeface="Consolas" panose="020B0609020204030204" pitchFamily="49" charset="0"/>
+                <a:cs typeface="Consolas" panose="020B0609020204030204" pitchFamily="49" charset="0"/>
+              </a:rPr>
+              <a:t>strong</a:t>
+            </a:r>
+            <a:r>
+              <a:rPr lang="tr-TR" sz="3400" dirty="0" smtClean="0">
+                <a:solidFill>
+                  <a:srgbClr val="0070C0"/>
+                </a:solidFill>
+                <a:latin typeface="Consolas" panose="020B0609020204030204" pitchFamily="49" charset="0"/>
+                <a:cs typeface="Consolas" panose="020B0609020204030204" pitchFamily="49" charset="0"/>
+              </a:rPr>
+              <a:t>/&gt;</a:t>
+            </a:r>
+            <a:endParaRPr lang="tr-TR" sz="3400" dirty="0" smtClean="0">
+              <a:latin typeface="Consolas" panose="020B0609020204030204" pitchFamily="49" charset="0"/>
+              <a:cs typeface="Consolas" panose="020B0609020204030204" pitchFamily="49" charset="0"/>
+            </a:endParaRPr>
+          </a:p>
+        </p:txBody>
+      </p:sp>
+      <p:sp>
+        <p:nvSpPr>
+          <p:cNvPr id="4" name="Aşağı Ok 3"/>
+          <p:cNvSpPr/>
+          <p:nvPr/>
+        </p:nvSpPr>
+        <p:spPr>
+          <a:xfrm>
+            <a:off x="3923928" y="4221088"/>
+            <a:ext cx="792088" cy="1194395"/>
+          </a:xfrm>
+          <a:prstGeom prst="downArrow">
+            <a:avLst/>
+          </a:prstGeom>
+          <a:noFill/>
+          <a:ln w="57150">
+            <a:solidFill>
+              <a:srgbClr val="7030A0"/>
+            </a:solidFill>
+          </a:ln>
+        </p:spPr>
+        <p:style>
+          <a:lnRef idx="2">
+            <a:schemeClr val="accent1">
+              <a:shade val="50000"/>
+            </a:schemeClr>
+          </a:lnRef>
+          <a:fillRef idx="1">
+            <a:schemeClr val="accent1"/>
+          </a:fillRef>
+          <a:effectRef idx="0">
+            <a:schemeClr val="accent1"/>
+          </a:effectRef>
+          <a:fontRef idx="minor">
+            <a:schemeClr val="lt1"/>
+          </a:fontRef>
+        </p:style>
+        <p:txBody>
+          <a:bodyPr rtlCol="0" anchor="ctr"/>
+          <a:lstStyle/>
+          <a:p>
+            <a:pPr algn="ctr"/>
+            <a:endParaRPr lang="tr-TR"/>
+          </a:p>
+        </p:txBody>
+      </p:sp>
+    </p:spTree>
+    <p:extLst>
+      <p:ext uri="{BB962C8B-B14F-4D97-AF65-F5344CB8AC3E}">
+        <p14:creationId xmlns:p14="http://schemas.microsoft.com/office/powerpoint/2010/main" val="923592497"/>
       </p:ext>
     </p:extLst>
   </p:cSld>
@@ -25581,7 +27867,7 @@
                 <a:latin typeface="Consolas" panose="020B0609020204030204" pitchFamily="49" charset="0"/>
                 <a:cs typeface="Consolas" panose="020B0609020204030204" pitchFamily="49" charset="0"/>
               </a:rPr>
-              <a:t>HtmFormData</a:t>
+              <a:t>HtmlFormData</a:t>
             </a:r>
             <a:r>
               <a:rPr lang="tr-TR" sz="2600" dirty="0" smtClean="0">
@@ -25635,45 +27921,52 @@
               <a:t> </a:t>
             </a:r>
             <a:r>
+              <a:rPr lang="tr-TR" sz="2600" dirty="0" smtClean="0">
+                <a:latin typeface="Consolas" panose="020B0609020204030204" pitchFamily="49" charset="0"/>
+                <a:cs typeface="Consolas" panose="020B0609020204030204" pitchFamily="49" charset="0"/>
+              </a:rPr>
+              <a:t>mail, </a:t>
+            </a:r>
+            <a:r>
+              <a:rPr lang="tr-TR" sz="2600" dirty="0" err="1" smtClean="0">
+                <a:solidFill>
+                  <a:srgbClr val="0070C0"/>
+                </a:solidFill>
+                <a:latin typeface="Consolas" panose="020B0609020204030204" pitchFamily="49" charset="0"/>
+                <a:cs typeface="Consolas" panose="020B0609020204030204" pitchFamily="49" charset="0"/>
+              </a:rPr>
+              <a:t>int</a:t>
+            </a:r>
+            <a:r>
+              <a:rPr lang="tr-TR" sz="2600" dirty="0" smtClean="0">
+                <a:solidFill>
+                  <a:srgbClr val="0070C0"/>
+                </a:solidFill>
+                <a:latin typeface="Consolas" panose="020B0609020204030204" pitchFamily="49" charset="0"/>
+                <a:cs typeface="Consolas" panose="020B0609020204030204" pitchFamily="49" charset="0"/>
+              </a:rPr>
+              <a:t> </a:t>
+            </a:r>
+            <a:r>
+              <a:rPr lang="tr-TR" sz="2600" dirty="0" err="1" smtClean="0">
+                <a:latin typeface="Consolas" panose="020B0609020204030204" pitchFamily="49" charset="0"/>
+                <a:cs typeface="Consolas" panose="020B0609020204030204" pitchFamily="49" charset="0"/>
+              </a:rPr>
+              <a:t>age</a:t>
+            </a:r>
+            <a:r>
               <a:rPr lang="tr-TR" sz="2600" dirty="0">
                 <a:latin typeface="Consolas" panose="020B0609020204030204" pitchFamily="49" charset="0"/>
                 <a:cs typeface="Consolas" panose="020B0609020204030204" pitchFamily="49" charset="0"/>
               </a:rPr>
-              <a:t>mail </a:t>
-            </a:r>
-            <a:r>
-              <a:rPr lang="tr-TR" sz="2600" dirty="0" err="1" smtClean="0">
-                <a:solidFill>
-                  <a:srgbClr val="0070C0"/>
-                </a:solidFill>
-                <a:latin typeface="Consolas" panose="020B0609020204030204" pitchFamily="49" charset="0"/>
-                <a:cs typeface="Consolas" panose="020B0609020204030204" pitchFamily="49" charset="0"/>
-              </a:rPr>
-              <a:t>int</a:t>
+              <a:t> </a:t>
             </a:r>
             <a:r>
               <a:rPr lang="tr-TR" sz="2600" dirty="0" smtClean="0">
-                <a:solidFill>
-                  <a:srgbClr val="0070C0"/>
-                </a:solidFill>
-                <a:latin typeface="Consolas" panose="020B0609020204030204" pitchFamily="49" charset="0"/>
-                <a:cs typeface="Consolas" panose="020B0609020204030204" pitchFamily="49" charset="0"/>
-              </a:rPr>
-              <a:t> </a:t>
-            </a:r>
-            <a:r>
-              <a:rPr lang="tr-TR" sz="2600" dirty="0" err="1" smtClean="0">
-                <a:latin typeface="Consolas" panose="020B0609020204030204" pitchFamily="49" charset="0"/>
-                <a:cs typeface="Consolas" panose="020B0609020204030204" pitchFamily="49" charset="0"/>
-              </a:rPr>
-              <a:t>age</a:t>
-            </a:r>
-            <a:r>
-              <a:rPr lang="tr-TR" sz="2600" dirty="0" smtClean="0">
-                <a:latin typeface="Consolas" panose="020B0609020204030204" pitchFamily="49" charset="0"/>
-                <a:cs typeface="Consolas" panose="020B0609020204030204" pitchFamily="49" charset="0"/>
-              </a:rPr>
-              <a:t>,)</a:t>
+                <a:latin typeface="Consolas" panose="020B0609020204030204" pitchFamily="49" charset="0"/>
+                <a:cs typeface="Consolas" panose="020B0609020204030204" pitchFamily="49" charset="0"/>
+              </a:rPr>
+              <a:t>)</a:t>
             </a:r>
           </a:p>
           <a:p>
@@ -25869,7 +28162,7 @@
         </p:nvSpPr>
         <p:spPr>
           <a:xfrm>
-            <a:off x="7624912" y="5878688"/>
+            <a:off x="7812360" y="5878688"/>
             <a:ext cx="720080" cy="360040"/>
           </a:xfrm>
           <a:prstGeom prst="roundRect">
@@ -26971,7 +29264,7 @@
                 <a:latin typeface="Consolas" panose="020B0609020204030204" pitchFamily="49" charset="0"/>
                 <a:cs typeface="Consolas" panose="020B0609020204030204" pitchFamily="49" charset="0"/>
               </a:rPr>
-              <a:t>HtmFormData</a:t>
+              <a:t>HtmlFormData</a:t>
             </a:r>
             <a:r>
               <a:rPr lang="tr-TR" sz="2600" dirty="0" smtClean="0">
@@ -28514,7 +30807,7 @@
                 <a:latin typeface="Consolas" panose="020B0609020204030204" pitchFamily="49" charset="0"/>
                 <a:cs typeface="Consolas" panose="020B0609020204030204" pitchFamily="49" charset="0"/>
               </a:rPr>
-              <a:t>HtmFormData</a:t>
+              <a:t>HtmlFormData</a:t>
             </a:r>
             <a:r>
               <a:rPr lang="tr-TR" sz="2600" dirty="0" smtClean="0">
@@ -30636,7 +32929,7 @@
                 <a:latin typeface="Consolas" panose="020B0609020204030204" pitchFamily="49" charset="0"/>
                 <a:cs typeface="Consolas" panose="020B0609020204030204" pitchFamily="49" charset="0"/>
               </a:rPr>
-              <a:t>HtmFormData</a:t>
+              <a:t>HtmlFormData</a:t>
             </a:r>
             <a:r>
               <a:rPr lang="tr-TR" dirty="0" smtClean="0">
@@ -30646,7 +32939,7 @@
               <a:t>(</a:t>
             </a:r>
             <a:r>
-              <a:rPr lang="tr-TR" dirty="0" err="1">
+              <a:rPr lang="tr-TR" dirty="0" err="1" smtClean="0">
                 <a:solidFill>
                   <a:srgbClr val="0070C0"/>
                 </a:solidFill>
@@ -30656,7 +32949,7 @@
               <a:t>Person</a:t>
             </a:r>
             <a:r>
-              <a:rPr lang="tr-TR" dirty="0">
+              <a:rPr lang="tr-TR" dirty="0" smtClean="0">
                 <a:solidFill>
                   <a:srgbClr val="0070C0"/>
                 </a:solidFill>
@@ -31688,7 +33981,7 @@
         </p:nvSpPr>
         <p:spPr>
           <a:xfrm>
-            <a:off x="4348907" y="5961440"/>
+            <a:off x="4443334" y="5972083"/>
             <a:ext cx="784167" cy="563904"/>
           </a:xfrm>
           <a:prstGeom prst="roundRect">
@@ -31741,7 +34034,7 @@
         </p:nvSpPr>
         <p:spPr>
           <a:xfrm>
-            <a:off x="7899226" y="5949280"/>
+            <a:off x="8015365" y="5959524"/>
             <a:ext cx="784167" cy="566938"/>
           </a:xfrm>
           <a:prstGeom prst="roundRect">
